--- a/slides/Tag-2_5-Bestandteile_Resources.pptx
+++ b/slides/Tag-2_5-Bestandteile_Resources.pptx
@@ -4934,7 +4934,7 @@
               <a:pPr algn="ctr">
                 <a:defRPr/>
               </a:pPr>
-              <a:t>01.03.2020</a:t>
+              <a:t>05.08.2020</a:t>
             </a:fld>
             <a:endParaRPr lang="de-DE" sz="1000" dirty="0">
               <a:solidFill>
@@ -7178,6 +7178,16 @@
             <a:pPr marL="400050" lvl="1" indent="0">
               <a:buNone/>
             </a:pPr>
+            <a:r>
+              <a:rPr lang="de-DE" altLang="de-DE" sz="1400" dirty="0">
+                <a:solidFill>
+                  <a:srgbClr val="000000"/>
+                </a:solidFill>
+                <a:latin typeface="Consolas" panose="020B0609020204030204" pitchFamily="49" charset="0"/>
+                <a:cs typeface="Consolas" panose="020B0609020204030204" pitchFamily="49" charset="0"/>
+              </a:rPr>
+              <a:t/>
+            </a:r>
             <a:br>
               <a:rPr lang="de-DE" altLang="de-DE" sz="1400" dirty="0">
                 <a:solidFill>
@@ -7910,6 +7920,16 @@
                 <a:cs typeface="Consolas" panose="020B0609020204030204" pitchFamily="49" charset="0"/>
               </a:rPr>
             </a:br>
+            <a:r>
+              <a:rPr lang="de-DE" altLang="de-DE" sz="1200" dirty="0">
+                <a:solidFill>
+                  <a:srgbClr val="000000"/>
+                </a:solidFill>
+                <a:latin typeface="Consolas" panose="020B0609020204030204" pitchFamily="49" charset="0"/>
+                <a:cs typeface="Consolas" panose="020B0609020204030204" pitchFamily="49" charset="0"/>
+              </a:rPr>
+              <a:t/>
+            </a:r>
             <a:br>
               <a:rPr lang="de-DE" altLang="de-DE" sz="1200" dirty="0">
                 <a:solidFill>
@@ -7939,6 +7959,16 @@
               </a:rPr>
               <a:t>Override</a:t>
             </a:r>
+            <a:r>
+              <a:rPr lang="de-DE" altLang="de-DE" sz="1200" dirty="0">
+                <a:solidFill>
+                  <a:srgbClr val="000000"/>
+                </a:solidFill>
+                <a:latin typeface="Consolas" panose="020B0609020204030204" pitchFamily="49" charset="0"/>
+                <a:cs typeface="Consolas" panose="020B0609020204030204" pitchFamily="49" charset="0"/>
+              </a:rPr>
+              <a:t/>
+            </a:r>
             <a:br>
               <a:rPr lang="de-DE" altLang="de-DE" sz="1200" dirty="0">
                 <a:solidFill>
@@ -8304,6 +8334,16 @@
                 <a:cs typeface="Consolas" panose="020B0609020204030204" pitchFamily="49" charset="0"/>
               </a:rPr>
             </a:br>
+            <a:r>
+              <a:rPr lang="de-DE" altLang="de-DE" sz="1200" dirty="0">
+                <a:solidFill>
+                  <a:srgbClr val="000000"/>
+                </a:solidFill>
+                <a:latin typeface="Consolas" panose="020B0609020204030204" pitchFamily="49" charset="0"/>
+                <a:cs typeface="Consolas" panose="020B0609020204030204" pitchFamily="49" charset="0"/>
+              </a:rPr>
+              <a:t/>
+            </a:r>
             <a:br>
               <a:rPr lang="de-DE" altLang="de-DE" sz="1200" dirty="0">
                 <a:solidFill>
@@ -8437,6 +8477,16 @@
               </a:rPr>
               <a:t>Override</a:t>
             </a:r>
+            <a:r>
+              <a:rPr lang="de-DE" altLang="de-DE" sz="1200" dirty="0">
+                <a:solidFill>
+                  <a:srgbClr val="000000"/>
+                </a:solidFill>
+                <a:latin typeface="Consolas" panose="020B0609020204030204" pitchFamily="49" charset="0"/>
+                <a:cs typeface="Consolas" panose="020B0609020204030204" pitchFamily="49" charset="0"/>
+              </a:rPr>
+              <a:t/>
+            </a:r>
             <a:br>
               <a:rPr lang="de-DE" altLang="de-DE" sz="1200" dirty="0">
                 <a:solidFill>
@@ -8566,6 +8616,16 @@
               </a:rPr>
               <a:t>IOException</a:t>
             </a:r>
+            <a:r>
+              <a:rPr lang="de-DE" altLang="de-DE" sz="1200" dirty="0">
+                <a:solidFill>
+                  <a:srgbClr val="000000"/>
+                </a:solidFill>
+                <a:latin typeface="Consolas" panose="020B0609020204030204" pitchFamily="49" charset="0"/>
+                <a:cs typeface="Consolas" panose="020B0609020204030204" pitchFamily="49" charset="0"/>
+              </a:rPr>
+              <a:t/>
+            </a:r>
             <a:br>
               <a:rPr lang="de-DE" altLang="de-DE" sz="1200" dirty="0">
                 <a:solidFill>
@@ -8694,6 +8754,16 @@
               </a:rPr>
               <a:t>();</a:t>
             </a:r>
+            <a:r>
+              <a:rPr lang="de-DE" altLang="de-DE" sz="1200" dirty="0">
+                <a:solidFill>
+                  <a:srgbClr val="000000"/>
+                </a:solidFill>
+                <a:latin typeface="Consolas" panose="020B0609020204030204" pitchFamily="49" charset="0"/>
+                <a:cs typeface="Consolas" panose="020B0609020204030204" pitchFamily="49" charset="0"/>
+              </a:rPr>
+              <a:t/>
+            </a:r>
             <a:br>
               <a:rPr lang="de-DE" altLang="de-DE" sz="1200" dirty="0">
                 <a:solidFill>
@@ -9324,6 +9394,16 @@
                 <a:cs typeface="Consolas" panose="020B0609020204030204" pitchFamily="49" charset="0"/>
               </a:rPr>
             </a:br>
+            <a:r>
+              <a:rPr lang="de-DE" altLang="de-DE" sz="1200" dirty="0">
+                <a:solidFill>
+                  <a:srgbClr val="000000"/>
+                </a:solidFill>
+                <a:latin typeface="Consolas" panose="020B0609020204030204" pitchFamily="49" charset="0"/>
+                <a:cs typeface="Consolas" panose="020B0609020204030204" pitchFamily="49" charset="0"/>
+              </a:rPr>
+              <a:t/>
+            </a:r>
             <a:br>
               <a:rPr lang="de-DE" altLang="de-DE" sz="1200" dirty="0">
                 <a:solidFill>
@@ -9729,6 +9809,16 @@
             <a:pPr marL="0" lvl="0" indent="0">
               <a:buNone/>
             </a:pPr>
+            <a:r>
+              <a:rPr lang="de-DE" altLang="de-DE" sz="1600" i="1" dirty="0">
+                <a:solidFill>
+                  <a:srgbClr val="808080"/>
+                </a:solidFill>
+                <a:latin typeface="Consolas" panose="020B0609020204030204" pitchFamily="49" charset="0"/>
+                <a:cs typeface="Consolas" panose="020B0609020204030204" pitchFamily="49" charset="0"/>
+              </a:rPr>
+              <a:t/>
+            </a:r>
             <a:br>
               <a:rPr lang="de-DE" altLang="de-DE" sz="1600" i="1" dirty="0">
                 <a:solidFill>
@@ -9757,6 +9847,16 @@
                 <a:cs typeface="Consolas" panose="020B0609020204030204" pitchFamily="49" charset="0"/>
               </a:rPr>
               <a:t>Override</a:t>
+            </a:r>
+            <a:r>
+              <a:rPr lang="de-DE" altLang="de-DE" sz="1600" dirty="0">
+                <a:solidFill>
+                  <a:srgbClr val="000000"/>
+                </a:solidFill>
+                <a:latin typeface="Consolas" panose="020B0609020204030204" pitchFamily="49" charset="0"/>
+                <a:cs typeface="Consolas" panose="020B0609020204030204" pitchFamily="49" charset="0"/>
+              </a:rPr>
+              <a:t/>
             </a:r>
             <a:br>
               <a:rPr lang="de-DE" altLang="de-DE" sz="1600" dirty="0">
@@ -11065,6 +11165,16 @@
                 <a:cs typeface="Consolas" panose="020B0609020204030204" pitchFamily="49" charset="0"/>
               </a:rPr>
             </a:br>
+            <a:r>
+              <a:rPr lang="de-DE" altLang="de-DE" sz="1600" dirty="0">
+                <a:solidFill>
+                  <a:srgbClr val="000000"/>
+                </a:solidFill>
+                <a:latin typeface="Consolas" panose="020B0609020204030204" pitchFamily="49" charset="0"/>
+                <a:cs typeface="Consolas" panose="020B0609020204030204" pitchFamily="49" charset="0"/>
+              </a:rPr>
+              <a:t/>
+            </a:r>
             <a:br>
               <a:rPr lang="de-DE" altLang="de-DE" sz="1600" dirty="0">
                 <a:solidFill>
@@ -11133,6 +11243,16 @@
                 <a:cs typeface="Consolas" panose="020B0609020204030204" pitchFamily="49" charset="0"/>
               </a:rPr>
             </a:br>
+            <a:r>
+              <a:rPr lang="de-DE" altLang="de-DE" sz="1600" dirty="0">
+                <a:solidFill>
+                  <a:srgbClr val="000000"/>
+                </a:solidFill>
+                <a:latin typeface="Consolas" panose="020B0609020204030204" pitchFamily="49" charset="0"/>
+                <a:cs typeface="Consolas" panose="020B0609020204030204" pitchFamily="49" charset="0"/>
+              </a:rPr>
+              <a:t/>
+            </a:r>
             <a:br>
               <a:rPr lang="de-DE" altLang="de-DE" sz="1600" dirty="0">
                 <a:solidFill>
@@ -11181,6 +11301,16 @@
                 <a:cs typeface="Consolas" panose="020B0609020204030204" pitchFamily="49" charset="0"/>
               </a:rPr>
             </a:br>
+            <a:r>
+              <a:rPr lang="de-DE" altLang="de-DE" sz="1600" dirty="0">
+                <a:solidFill>
+                  <a:srgbClr val="000000"/>
+                </a:solidFill>
+                <a:latin typeface="Consolas" panose="020B0609020204030204" pitchFamily="49" charset="0"/>
+                <a:cs typeface="Consolas" panose="020B0609020204030204" pitchFamily="49" charset="0"/>
+              </a:rPr>
+              <a:t/>
+            </a:r>
             <a:br>
               <a:rPr lang="de-DE" altLang="de-DE" sz="1600" dirty="0">
                 <a:solidFill>
@@ -11437,6 +11567,16 @@
                 <a:cs typeface="Consolas" panose="020B0609020204030204" pitchFamily="49" charset="0"/>
               </a:rPr>
             </a:br>
+            <a:r>
+              <a:rPr lang="de-DE" altLang="de-DE" sz="1600" dirty="0">
+                <a:solidFill>
+                  <a:srgbClr val="000000"/>
+                </a:solidFill>
+                <a:latin typeface="Consolas" panose="020B0609020204030204" pitchFamily="49" charset="0"/>
+                <a:cs typeface="Consolas" panose="020B0609020204030204" pitchFamily="49" charset="0"/>
+              </a:rPr>
+              <a:t/>
+            </a:r>
             <a:br>
               <a:rPr lang="de-DE" altLang="de-DE" sz="1600" dirty="0">
                 <a:solidFill>
@@ -11485,6 +11625,16 @@
                 <a:cs typeface="Consolas" panose="020B0609020204030204" pitchFamily="49" charset="0"/>
               </a:rPr>
             </a:br>
+            <a:r>
+              <a:rPr lang="de-DE" altLang="de-DE" sz="1600" dirty="0">
+                <a:solidFill>
+                  <a:srgbClr val="000000"/>
+                </a:solidFill>
+                <a:latin typeface="Consolas" panose="020B0609020204030204" pitchFamily="49" charset="0"/>
+                <a:cs typeface="Consolas" panose="020B0609020204030204" pitchFamily="49" charset="0"/>
+              </a:rPr>
+              <a:t/>
+            </a:r>
             <a:br>
               <a:rPr lang="de-DE" altLang="de-DE" sz="1600" dirty="0">
                 <a:solidFill>
@@ -11741,6 +11891,16 @@
                 <a:cs typeface="Consolas" panose="020B0609020204030204" pitchFamily="49" charset="0"/>
               </a:rPr>
             </a:br>
+            <a:r>
+              <a:rPr lang="de-DE" altLang="de-DE" sz="1600" dirty="0">
+                <a:solidFill>
+                  <a:srgbClr val="000000"/>
+                </a:solidFill>
+                <a:latin typeface="Consolas" panose="020B0609020204030204" pitchFamily="49" charset="0"/>
+                <a:cs typeface="Consolas" panose="020B0609020204030204" pitchFamily="49" charset="0"/>
+              </a:rPr>
+              <a:t/>
+            </a:r>
             <a:br>
               <a:rPr lang="de-DE" altLang="de-DE" sz="1600" dirty="0">
                 <a:solidFill>
@@ -11888,6 +12048,16 @@
                 <a:cs typeface="Consolas" panose="020B0609020204030204" pitchFamily="49" charset="0"/>
               </a:rPr>
             </a:br>
+            <a:r>
+              <a:rPr lang="de-DE" altLang="de-DE" sz="1600" dirty="0">
+                <a:solidFill>
+                  <a:srgbClr val="000000"/>
+                </a:solidFill>
+                <a:latin typeface="Consolas" panose="020B0609020204030204" pitchFamily="49" charset="0"/>
+                <a:cs typeface="Consolas" panose="020B0609020204030204" pitchFamily="49" charset="0"/>
+              </a:rPr>
+              <a:t/>
+            </a:r>
             <a:br>
               <a:rPr lang="de-DE" altLang="de-DE" sz="1600" dirty="0">
                 <a:solidFill>
@@ -12501,6 +12671,16 @@
                 <a:cs typeface="Consolas" panose="020B0609020204030204" pitchFamily="49" charset="0"/>
               </a:rPr>
             </a:br>
+            <a:r>
+              <a:rPr lang="de-DE" altLang="de-DE" sz="1600" dirty="0">
+                <a:solidFill>
+                  <a:srgbClr val="000000"/>
+                </a:solidFill>
+                <a:latin typeface="Consolas" panose="020B0609020204030204" pitchFamily="49" charset="0"/>
+                <a:cs typeface="Consolas" panose="020B0609020204030204" pitchFamily="49" charset="0"/>
+              </a:rPr>
+              <a:t/>
+            </a:r>
             <a:br>
               <a:rPr lang="de-DE" altLang="de-DE" sz="1600" dirty="0">
                 <a:solidFill>
@@ -13024,523 +13204,689 @@
                 <a:cs typeface="Consolas" panose="020B0609020204030204" pitchFamily="49" charset="0"/>
               </a:rPr>
             </a:br>
-            <a:br>
-              <a:rPr lang="de-DE" altLang="de-DE" sz="1600" dirty="0">
-                <a:solidFill>
-                  <a:srgbClr val="000000"/>
-                </a:solidFill>
-                <a:latin typeface="Consolas" panose="020B0609020204030204" pitchFamily="49" charset="0"/>
-                <a:cs typeface="Consolas" panose="020B0609020204030204" pitchFamily="49" charset="0"/>
-              </a:rPr>
-            </a:br>
-            <a:r>
-              <a:rPr lang="de-DE" altLang="de-DE" sz="1600" dirty="0">
-                <a:solidFill>
-                  <a:srgbClr val="000000"/>
-                </a:solidFill>
-                <a:latin typeface="Consolas" panose="020B0609020204030204" pitchFamily="49" charset="0"/>
-                <a:cs typeface="Consolas" panose="020B0609020204030204" pitchFamily="49" charset="0"/>
-              </a:rPr>
-              <a:t>    @</a:t>
-            </a:r>
-            <a:r>
-              <a:rPr lang="de-DE" altLang="de-DE" sz="1600" dirty="0" err="1">
-                <a:solidFill>
-                  <a:srgbClr val="000000"/>
-                </a:solidFill>
-                <a:latin typeface="Consolas" panose="020B0609020204030204" pitchFamily="49" charset="0"/>
-                <a:cs typeface="Consolas" panose="020B0609020204030204" pitchFamily="49" charset="0"/>
-              </a:rPr>
-              <a:t>Override</a:t>
-            </a:r>
-            <a:br>
-              <a:rPr lang="de-DE" altLang="de-DE" sz="1600" dirty="0">
-                <a:solidFill>
-                  <a:srgbClr val="000000"/>
-                </a:solidFill>
-                <a:latin typeface="Consolas" panose="020B0609020204030204" pitchFamily="49" charset="0"/>
-                <a:cs typeface="Consolas" panose="020B0609020204030204" pitchFamily="49" charset="0"/>
-              </a:rPr>
-            </a:br>
-            <a:r>
-              <a:rPr lang="de-DE" altLang="de-DE" sz="1600" dirty="0">
-                <a:solidFill>
-                  <a:srgbClr val="000000"/>
-                </a:solidFill>
-                <a:latin typeface="Consolas" panose="020B0609020204030204" pitchFamily="49" charset="0"/>
-                <a:cs typeface="Consolas" panose="020B0609020204030204" pitchFamily="49" charset="0"/>
-              </a:rPr>
-              <a:t>    </a:t>
-            </a:r>
-            <a:r>
-              <a:rPr lang="de-DE" altLang="de-DE" sz="1600" b="1" dirty="0" err="1">
-                <a:solidFill>
-                  <a:srgbClr val="000080"/>
-                </a:solidFill>
-                <a:latin typeface="Consolas" panose="020B0609020204030204" pitchFamily="49" charset="0"/>
-                <a:cs typeface="Consolas" panose="020B0609020204030204" pitchFamily="49" charset="0"/>
-              </a:rPr>
-              <a:t>public</a:t>
-            </a:r>
-            <a:r>
-              <a:rPr lang="de-DE" altLang="de-DE" sz="1600" b="1" dirty="0">
-                <a:solidFill>
-                  <a:srgbClr val="000080"/>
-                </a:solidFill>
-                <a:latin typeface="Consolas" panose="020B0609020204030204" pitchFamily="49" charset="0"/>
-                <a:cs typeface="Consolas" panose="020B0609020204030204" pitchFamily="49" charset="0"/>
-              </a:rPr>
-              <a:t> </a:t>
-            </a:r>
-            <a:r>
-              <a:rPr lang="de-DE" altLang="de-DE" sz="1600" b="1" dirty="0" err="1">
-                <a:solidFill>
-                  <a:srgbClr val="000080"/>
-                </a:solidFill>
-                <a:latin typeface="Consolas" panose="020B0609020204030204" pitchFamily="49" charset="0"/>
-                <a:cs typeface="Consolas" panose="020B0609020204030204" pitchFamily="49" charset="0"/>
-              </a:rPr>
-              <a:t>void</a:t>
-            </a:r>
-            <a:r>
-              <a:rPr lang="de-DE" altLang="de-DE" sz="1600" b="1" dirty="0">
-                <a:solidFill>
-                  <a:srgbClr val="000080"/>
-                </a:solidFill>
-                <a:latin typeface="Consolas" panose="020B0609020204030204" pitchFamily="49" charset="0"/>
-                <a:cs typeface="Consolas" panose="020B0609020204030204" pitchFamily="49" charset="0"/>
-              </a:rPr>
-              <a:t> </a:t>
-            </a:r>
-            <a:r>
-              <a:rPr lang="de-DE" altLang="de-DE" sz="1600" dirty="0" err="1">
-                <a:solidFill>
-                  <a:srgbClr val="000000"/>
-                </a:solidFill>
-                <a:latin typeface="Consolas" panose="020B0609020204030204" pitchFamily="49" charset="0"/>
-                <a:cs typeface="Consolas" panose="020B0609020204030204" pitchFamily="49" charset="0"/>
-              </a:rPr>
-              <a:t>renderHead</a:t>
-            </a:r>
-            <a:r>
-              <a:rPr lang="de-DE" altLang="de-DE" sz="1600" dirty="0">
-                <a:solidFill>
-                  <a:srgbClr val="000000"/>
-                </a:solidFill>
-                <a:latin typeface="Consolas" panose="020B0609020204030204" pitchFamily="49" charset="0"/>
-                <a:cs typeface="Consolas" panose="020B0609020204030204" pitchFamily="49" charset="0"/>
-              </a:rPr>
-              <a:t>(</a:t>
-            </a:r>
-            <a:r>
-              <a:rPr lang="de-DE" altLang="de-DE" sz="1600" dirty="0" err="1">
-                <a:solidFill>
-                  <a:srgbClr val="000000"/>
-                </a:solidFill>
-                <a:latin typeface="Consolas" panose="020B0609020204030204" pitchFamily="49" charset="0"/>
-                <a:cs typeface="Consolas" panose="020B0609020204030204" pitchFamily="49" charset="0"/>
-              </a:rPr>
-              <a:t>IHeaderResponse</a:t>
-            </a:r>
-            <a:r>
-              <a:rPr lang="de-DE" altLang="de-DE" sz="1600" dirty="0">
-                <a:solidFill>
-                  <a:srgbClr val="000000"/>
-                </a:solidFill>
-                <a:latin typeface="Consolas" panose="020B0609020204030204" pitchFamily="49" charset="0"/>
-                <a:cs typeface="Consolas" panose="020B0609020204030204" pitchFamily="49" charset="0"/>
-              </a:rPr>
-              <a:t> </a:t>
-            </a:r>
-            <a:r>
-              <a:rPr lang="de-DE" altLang="de-DE" sz="1600" dirty="0" err="1">
-                <a:solidFill>
-                  <a:srgbClr val="000000"/>
-                </a:solidFill>
-                <a:latin typeface="Consolas" panose="020B0609020204030204" pitchFamily="49" charset="0"/>
-                <a:cs typeface="Consolas" panose="020B0609020204030204" pitchFamily="49" charset="0"/>
-              </a:rPr>
-              <a:t>response</a:t>
-            </a:r>
-            <a:r>
-              <a:rPr lang="de-DE" altLang="de-DE" sz="1600" dirty="0">
-                <a:solidFill>
-                  <a:srgbClr val="000000"/>
-                </a:solidFill>
-                <a:latin typeface="Consolas" panose="020B0609020204030204" pitchFamily="49" charset="0"/>
-                <a:cs typeface="Consolas" panose="020B0609020204030204" pitchFamily="49" charset="0"/>
-              </a:rPr>
-              <a:t>) {</a:t>
-            </a:r>
-            <a:br>
-              <a:rPr lang="de-DE" altLang="de-DE" sz="1600" dirty="0">
-                <a:solidFill>
-                  <a:srgbClr val="000000"/>
-                </a:solidFill>
-                <a:latin typeface="Consolas" panose="020B0609020204030204" pitchFamily="49" charset="0"/>
-                <a:cs typeface="Consolas" panose="020B0609020204030204" pitchFamily="49" charset="0"/>
-              </a:rPr>
-            </a:br>
-            <a:r>
-              <a:rPr lang="de-DE" altLang="de-DE" sz="1600" dirty="0">
-                <a:solidFill>
-                  <a:srgbClr val="000000"/>
-                </a:solidFill>
-                <a:latin typeface="Consolas" panose="020B0609020204030204" pitchFamily="49" charset="0"/>
-                <a:cs typeface="Consolas" panose="020B0609020204030204" pitchFamily="49" charset="0"/>
-              </a:rPr>
-              <a:t>        </a:t>
-            </a:r>
-            <a:r>
-              <a:rPr lang="de-DE" altLang="de-DE" sz="1600" dirty="0" err="1">
-                <a:solidFill>
-                  <a:srgbClr val="000000"/>
-                </a:solidFill>
-                <a:latin typeface="Consolas" panose="020B0609020204030204" pitchFamily="49" charset="0"/>
-                <a:cs typeface="Consolas" panose="020B0609020204030204" pitchFamily="49" charset="0"/>
-              </a:rPr>
-              <a:t>PackageResourceReference</a:t>
-            </a:r>
-            <a:r>
-              <a:rPr lang="de-DE" altLang="de-DE" sz="1600" dirty="0">
-                <a:solidFill>
-                  <a:srgbClr val="000000"/>
-                </a:solidFill>
-                <a:latin typeface="Consolas" panose="020B0609020204030204" pitchFamily="49" charset="0"/>
-                <a:cs typeface="Consolas" panose="020B0609020204030204" pitchFamily="49" charset="0"/>
-              </a:rPr>
-              <a:t> </a:t>
-            </a:r>
-            <a:r>
-              <a:rPr lang="de-DE" altLang="de-DE" sz="1600" dirty="0" err="1">
-                <a:solidFill>
-                  <a:srgbClr val="000000"/>
-                </a:solidFill>
-                <a:latin typeface="Consolas" panose="020B0609020204030204" pitchFamily="49" charset="0"/>
-                <a:cs typeface="Consolas" panose="020B0609020204030204" pitchFamily="49" charset="0"/>
-              </a:rPr>
-              <a:t>cssFile</a:t>
-            </a:r>
-            <a:r>
-              <a:rPr lang="de-DE" altLang="de-DE" sz="1600" dirty="0">
-                <a:solidFill>
-                  <a:srgbClr val="000000"/>
-                </a:solidFill>
-                <a:latin typeface="Consolas" panose="020B0609020204030204" pitchFamily="49" charset="0"/>
-                <a:cs typeface="Consolas" panose="020B0609020204030204" pitchFamily="49" charset="0"/>
-              </a:rPr>
-              <a:t> =</a:t>
-            </a:r>
-            <a:br>
-              <a:rPr lang="de-DE" altLang="de-DE" sz="1600" dirty="0">
-                <a:solidFill>
-                  <a:srgbClr val="000000"/>
-                </a:solidFill>
-                <a:latin typeface="Consolas" panose="020B0609020204030204" pitchFamily="49" charset="0"/>
-                <a:cs typeface="Consolas" panose="020B0609020204030204" pitchFamily="49" charset="0"/>
-              </a:rPr>
-            </a:br>
-            <a:r>
-              <a:rPr lang="de-DE" altLang="de-DE" sz="1600" dirty="0">
-                <a:solidFill>
-                  <a:srgbClr val="000000"/>
-                </a:solidFill>
-                <a:latin typeface="Consolas" panose="020B0609020204030204" pitchFamily="49" charset="0"/>
-                <a:cs typeface="Consolas" panose="020B0609020204030204" pitchFamily="49" charset="0"/>
-              </a:rPr>
-              <a:t>                </a:t>
-            </a:r>
-            <a:r>
-              <a:rPr lang="de-DE" altLang="de-DE" sz="1600" b="1" dirty="0" err="1">
-                <a:solidFill>
-                  <a:srgbClr val="000080"/>
-                </a:solidFill>
-                <a:latin typeface="Consolas" panose="020B0609020204030204" pitchFamily="49" charset="0"/>
-                <a:cs typeface="Consolas" panose="020B0609020204030204" pitchFamily="49" charset="0"/>
-              </a:rPr>
-              <a:t>new</a:t>
-            </a:r>
-            <a:r>
-              <a:rPr lang="de-DE" altLang="de-DE" sz="1600" b="1" dirty="0">
-                <a:solidFill>
-                  <a:srgbClr val="000080"/>
-                </a:solidFill>
-                <a:latin typeface="Consolas" panose="020B0609020204030204" pitchFamily="49" charset="0"/>
-                <a:cs typeface="Consolas" panose="020B0609020204030204" pitchFamily="49" charset="0"/>
-              </a:rPr>
-              <a:t> </a:t>
-            </a:r>
-            <a:r>
-              <a:rPr lang="de-DE" altLang="de-DE" sz="1600" dirty="0" err="1">
-                <a:solidFill>
-                  <a:srgbClr val="000000"/>
-                </a:solidFill>
-                <a:latin typeface="Consolas" panose="020B0609020204030204" pitchFamily="49" charset="0"/>
-                <a:cs typeface="Consolas" panose="020B0609020204030204" pitchFamily="49" charset="0"/>
-              </a:rPr>
-              <a:t>PackageResourceReference</a:t>
-            </a:r>
-            <a:r>
-              <a:rPr lang="de-DE" altLang="de-DE" sz="1600" dirty="0">
-                <a:solidFill>
-                  <a:srgbClr val="000000"/>
-                </a:solidFill>
-                <a:latin typeface="Consolas" panose="020B0609020204030204" pitchFamily="49" charset="0"/>
-                <a:cs typeface="Consolas" panose="020B0609020204030204" pitchFamily="49" charset="0"/>
-              </a:rPr>
-              <a:t>(</a:t>
-            </a:r>
-            <a:r>
-              <a:rPr lang="de-DE" altLang="de-DE" sz="1600" dirty="0" err="1">
-                <a:solidFill>
-                  <a:srgbClr val="000000"/>
-                </a:solidFill>
-                <a:latin typeface="Consolas" panose="020B0609020204030204" pitchFamily="49" charset="0"/>
-                <a:cs typeface="Consolas" panose="020B0609020204030204" pitchFamily="49" charset="0"/>
-              </a:rPr>
-              <a:t>getClass</a:t>
-            </a:r>
-            <a:r>
-              <a:rPr lang="de-DE" altLang="de-DE" sz="1600" dirty="0">
-                <a:solidFill>
-                  <a:srgbClr val="000000"/>
-                </a:solidFill>
-                <a:latin typeface="Consolas" panose="020B0609020204030204" pitchFamily="49" charset="0"/>
-                <a:cs typeface="Consolas" panose="020B0609020204030204" pitchFamily="49" charset="0"/>
-              </a:rPr>
-              <a:t>(), </a:t>
-            </a:r>
-            <a:r>
-              <a:rPr lang="de-DE" altLang="de-DE" sz="1600" b="1" dirty="0">
-                <a:solidFill>
-                  <a:srgbClr val="008000"/>
-                </a:solidFill>
-                <a:latin typeface="Consolas" panose="020B0609020204030204" pitchFamily="49" charset="0"/>
-                <a:cs typeface="Consolas" panose="020B0609020204030204" pitchFamily="49" charset="0"/>
-              </a:rPr>
-              <a:t>"style.css"</a:t>
-            </a:r>
-            <a:r>
-              <a:rPr lang="de-DE" altLang="de-DE" sz="1600" dirty="0">
-                <a:solidFill>
-                  <a:srgbClr val="000000"/>
-                </a:solidFill>
-                <a:latin typeface="Consolas" panose="020B0609020204030204" pitchFamily="49" charset="0"/>
-                <a:cs typeface="Consolas" panose="020B0609020204030204" pitchFamily="49" charset="0"/>
-              </a:rPr>
-              <a:t>);</a:t>
-            </a:r>
-            <a:br>
-              <a:rPr lang="de-DE" altLang="de-DE" sz="1600" dirty="0">
-                <a:solidFill>
-                  <a:srgbClr val="000000"/>
-                </a:solidFill>
-                <a:latin typeface="Consolas" panose="020B0609020204030204" pitchFamily="49" charset="0"/>
-                <a:cs typeface="Consolas" panose="020B0609020204030204" pitchFamily="49" charset="0"/>
-              </a:rPr>
-            </a:br>
-            <a:r>
-              <a:rPr lang="de-DE" altLang="de-DE" sz="1600" dirty="0">
-                <a:solidFill>
-                  <a:srgbClr val="000000"/>
-                </a:solidFill>
-                <a:latin typeface="Consolas" panose="020B0609020204030204" pitchFamily="49" charset="0"/>
-                <a:cs typeface="Consolas" panose="020B0609020204030204" pitchFamily="49" charset="0"/>
-              </a:rPr>
-              <a:t>        </a:t>
-            </a:r>
-            <a:r>
-              <a:rPr lang="de-DE" altLang="de-DE" sz="1600" dirty="0" err="1">
-                <a:solidFill>
-                  <a:srgbClr val="000000"/>
-                </a:solidFill>
-                <a:latin typeface="Consolas" panose="020B0609020204030204" pitchFamily="49" charset="0"/>
-                <a:cs typeface="Consolas" panose="020B0609020204030204" pitchFamily="49" charset="0"/>
-              </a:rPr>
-              <a:t>CssHeaderItem</a:t>
-            </a:r>
-            <a:r>
-              <a:rPr lang="de-DE" altLang="de-DE" sz="1600" dirty="0">
-                <a:solidFill>
-                  <a:srgbClr val="000000"/>
-                </a:solidFill>
-                <a:latin typeface="Consolas" panose="020B0609020204030204" pitchFamily="49" charset="0"/>
-                <a:cs typeface="Consolas" panose="020B0609020204030204" pitchFamily="49" charset="0"/>
-              </a:rPr>
-              <a:t> </a:t>
-            </a:r>
-            <a:r>
-              <a:rPr lang="de-DE" altLang="de-DE" sz="1600" dirty="0" err="1">
-                <a:solidFill>
-                  <a:srgbClr val="000000"/>
-                </a:solidFill>
-                <a:latin typeface="Consolas" panose="020B0609020204030204" pitchFamily="49" charset="0"/>
-                <a:cs typeface="Consolas" panose="020B0609020204030204" pitchFamily="49" charset="0"/>
-              </a:rPr>
-              <a:t>cssItem</a:t>
-            </a:r>
-            <a:r>
-              <a:rPr lang="de-DE" altLang="de-DE" sz="1600" dirty="0">
-                <a:solidFill>
-                  <a:srgbClr val="000000"/>
-                </a:solidFill>
-                <a:latin typeface="Consolas" panose="020B0609020204030204" pitchFamily="49" charset="0"/>
-                <a:cs typeface="Consolas" panose="020B0609020204030204" pitchFamily="49" charset="0"/>
-              </a:rPr>
-              <a:t> = </a:t>
-            </a:r>
-            <a:r>
-              <a:rPr lang="de-DE" altLang="de-DE" sz="1600" dirty="0" err="1">
-                <a:solidFill>
-                  <a:srgbClr val="000000"/>
-                </a:solidFill>
-                <a:latin typeface="Consolas" panose="020B0609020204030204" pitchFamily="49" charset="0"/>
-                <a:cs typeface="Consolas" panose="020B0609020204030204" pitchFamily="49" charset="0"/>
-              </a:rPr>
-              <a:t>CssHeaderItem.forReference</a:t>
-            </a:r>
-            <a:r>
-              <a:rPr lang="de-DE" altLang="de-DE" sz="1600" dirty="0">
-                <a:solidFill>
-                  <a:srgbClr val="000000"/>
-                </a:solidFill>
-                <a:latin typeface="Consolas" panose="020B0609020204030204" pitchFamily="49" charset="0"/>
-                <a:cs typeface="Consolas" panose="020B0609020204030204" pitchFamily="49" charset="0"/>
-              </a:rPr>
-              <a:t>(</a:t>
-            </a:r>
-            <a:r>
-              <a:rPr lang="de-DE" altLang="de-DE" sz="1600" dirty="0" err="1">
-                <a:solidFill>
-                  <a:srgbClr val="000000"/>
-                </a:solidFill>
-                <a:latin typeface="Consolas" panose="020B0609020204030204" pitchFamily="49" charset="0"/>
-                <a:cs typeface="Consolas" panose="020B0609020204030204" pitchFamily="49" charset="0"/>
-              </a:rPr>
-              <a:t>cssFile</a:t>
-            </a:r>
-            <a:r>
-              <a:rPr lang="de-DE" altLang="de-DE" sz="1600" dirty="0">
-                <a:solidFill>
-                  <a:srgbClr val="000000"/>
-                </a:solidFill>
-                <a:latin typeface="Consolas" panose="020B0609020204030204" pitchFamily="49" charset="0"/>
-                <a:cs typeface="Consolas" panose="020B0609020204030204" pitchFamily="49" charset="0"/>
-              </a:rPr>
-              <a:t>);</a:t>
-            </a:r>
-            <a:br>
-              <a:rPr lang="de-DE" altLang="de-DE" sz="1600" dirty="0">
-                <a:solidFill>
-                  <a:srgbClr val="000000"/>
-                </a:solidFill>
-                <a:latin typeface="Consolas" panose="020B0609020204030204" pitchFamily="49" charset="0"/>
-                <a:cs typeface="Consolas" panose="020B0609020204030204" pitchFamily="49" charset="0"/>
-              </a:rPr>
-            </a:br>
-            <a:br>
-              <a:rPr lang="de-DE" altLang="de-DE" sz="1600" dirty="0">
-                <a:solidFill>
-                  <a:srgbClr val="000000"/>
-                </a:solidFill>
-                <a:latin typeface="Consolas" panose="020B0609020204030204" pitchFamily="49" charset="0"/>
-                <a:cs typeface="Consolas" panose="020B0609020204030204" pitchFamily="49" charset="0"/>
-              </a:rPr>
-            </a:br>
-            <a:r>
-              <a:rPr lang="de-DE" altLang="de-DE" sz="1600" dirty="0">
-                <a:solidFill>
-                  <a:srgbClr val="000000"/>
-                </a:solidFill>
-                <a:latin typeface="Consolas" panose="020B0609020204030204" pitchFamily="49" charset="0"/>
-                <a:cs typeface="Consolas" panose="020B0609020204030204" pitchFamily="49" charset="0"/>
-              </a:rPr>
-              <a:t>        </a:t>
-            </a:r>
-            <a:r>
-              <a:rPr lang="de-DE" altLang="de-DE" sz="1600" dirty="0" err="1">
-                <a:solidFill>
-                  <a:srgbClr val="000000"/>
-                </a:solidFill>
-                <a:latin typeface="Consolas" panose="020B0609020204030204" pitchFamily="49" charset="0"/>
-                <a:cs typeface="Consolas" panose="020B0609020204030204" pitchFamily="49" charset="0"/>
-              </a:rPr>
-              <a:t>response.render</a:t>
-            </a:r>
-            <a:r>
-              <a:rPr lang="de-DE" altLang="de-DE" sz="1600" dirty="0">
-                <a:solidFill>
-                  <a:srgbClr val="000000"/>
-                </a:solidFill>
-                <a:latin typeface="Consolas" panose="020B0609020204030204" pitchFamily="49" charset="0"/>
-                <a:cs typeface="Consolas" panose="020B0609020204030204" pitchFamily="49" charset="0"/>
-              </a:rPr>
-              <a:t>(</a:t>
-            </a:r>
-            <a:r>
-              <a:rPr lang="de-DE" altLang="de-DE" sz="1600" dirty="0" err="1">
-                <a:solidFill>
-                  <a:srgbClr val="000000"/>
-                </a:solidFill>
-                <a:latin typeface="Consolas" panose="020B0609020204030204" pitchFamily="49" charset="0"/>
-                <a:cs typeface="Consolas" panose="020B0609020204030204" pitchFamily="49" charset="0"/>
-              </a:rPr>
-              <a:t>cssItem</a:t>
-            </a:r>
-            <a:r>
-              <a:rPr lang="de-DE" altLang="de-DE" sz="1600" dirty="0">
-                <a:solidFill>
-                  <a:srgbClr val="000000"/>
-                </a:solidFill>
-                <a:latin typeface="Consolas" panose="020B0609020204030204" pitchFamily="49" charset="0"/>
-                <a:cs typeface="Consolas" panose="020B0609020204030204" pitchFamily="49" charset="0"/>
-              </a:rPr>
-              <a:t>);</a:t>
-            </a:r>
-            <a:br>
-              <a:rPr lang="de-DE" altLang="de-DE" sz="1600" dirty="0">
-                <a:solidFill>
-                  <a:srgbClr val="000000"/>
-                </a:solidFill>
-                <a:latin typeface="Consolas" panose="020B0609020204030204" pitchFamily="49" charset="0"/>
-                <a:cs typeface="Consolas" panose="020B0609020204030204" pitchFamily="49" charset="0"/>
-              </a:rPr>
-            </a:br>
-            <a:r>
-              <a:rPr lang="de-DE" altLang="de-DE" sz="1600" dirty="0">
-                <a:solidFill>
-                  <a:srgbClr val="000000"/>
-                </a:solidFill>
-                <a:latin typeface="Consolas" panose="020B0609020204030204" pitchFamily="49" charset="0"/>
-                <a:cs typeface="Consolas" panose="020B0609020204030204" pitchFamily="49" charset="0"/>
-              </a:rPr>
-              <a:t>    }</a:t>
-            </a:r>
-            <a:br>
-              <a:rPr lang="de-DE" altLang="de-DE" sz="1600" dirty="0">
-                <a:solidFill>
-                  <a:srgbClr val="000000"/>
-                </a:solidFill>
-                <a:latin typeface="Consolas" panose="020B0609020204030204" pitchFamily="49" charset="0"/>
-                <a:cs typeface="Consolas" panose="020B0609020204030204" pitchFamily="49" charset="0"/>
-              </a:rPr>
-            </a:br>
-            <a:r>
-              <a:rPr lang="de-DE" altLang="de-DE" sz="1600" dirty="0">
-                <a:solidFill>
-                  <a:srgbClr val="000000"/>
-                </a:solidFill>
-                <a:latin typeface="Consolas" panose="020B0609020204030204" pitchFamily="49" charset="0"/>
-                <a:cs typeface="Consolas" panose="020B0609020204030204" pitchFamily="49" charset="0"/>
-              </a:rPr>
-              <a:t>}</a:t>
-            </a:r>
-            <a:endParaRPr lang="de-DE" sz="1600" dirty="0">
+            <a:endParaRPr lang="de-DE" altLang="de-DE" sz="1600" dirty="0" smtClean="0">
+              <a:solidFill>
+                <a:srgbClr val="000000"/>
+              </a:solidFill>
               <a:latin typeface="Consolas" panose="020B0609020204030204" pitchFamily="49" charset="0"/>
               <a:cs typeface="Consolas" panose="020B0609020204030204" pitchFamily="49" charset="0"/>
             </a:endParaRPr>
           </a:p>
           <a:p>
+            <a:pPr marL="0" lvl="0" indent="0">
+              <a:spcBef>
+                <a:spcPct val="0"/>
+              </a:spcBef>
+              <a:buClrTx/>
+              <a:buNone/>
+            </a:pPr>
+            <a:r>
+              <a:rPr lang="de-DE" altLang="de-DE" sz="1600" dirty="0" smtClean="0">
+                <a:solidFill>
+                  <a:srgbClr val="FFC000"/>
+                </a:solidFill>
+                <a:latin typeface="Consolas" panose="020B0609020204030204" pitchFamily="49" charset="0"/>
+                <a:cs typeface="Consolas" panose="020B0609020204030204" pitchFamily="49" charset="0"/>
+              </a:rPr>
+              <a:t>    </a:t>
+            </a:r>
+            <a:r>
+              <a:rPr lang="de-DE" altLang="de-DE" sz="1600" dirty="0">
+                <a:solidFill>
+                  <a:srgbClr val="FFC000"/>
+                </a:solidFill>
+                <a:latin typeface="Consolas" panose="020B0609020204030204" pitchFamily="49" charset="0"/>
+                <a:cs typeface="Consolas" panose="020B0609020204030204" pitchFamily="49" charset="0"/>
+              </a:rPr>
+              <a:t>@</a:t>
+            </a:r>
+            <a:r>
+              <a:rPr lang="de-DE" altLang="de-DE" sz="1600" dirty="0" err="1">
+                <a:solidFill>
+                  <a:srgbClr val="FFC000"/>
+                </a:solidFill>
+                <a:latin typeface="Consolas" panose="020B0609020204030204" pitchFamily="49" charset="0"/>
+                <a:cs typeface="Consolas" panose="020B0609020204030204" pitchFamily="49" charset="0"/>
+              </a:rPr>
+              <a:t>Override</a:t>
+            </a:r>
+            <a:endParaRPr lang="de-DE" altLang="de-DE" sz="1600" dirty="0">
+              <a:solidFill>
+                <a:srgbClr val="FFC000"/>
+              </a:solidFill>
+              <a:latin typeface="Consolas" panose="020B0609020204030204" pitchFamily="49" charset="0"/>
+              <a:cs typeface="Consolas" panose="020B0609020204030204" pitchFamily="49" charset="0"/>
+            </a:endParaRPr>
+          </a:p>
+          <a:p>
+            <a:pPr marL="0" lvl="0" indent="0">
+              <a:spcBef>
+                <a:spcPct val="0"/>
+              </a:spcBef>
+              <a:buClrTx/>
+              <a:buNone/>
+            </a:pPr>
+            <a:r>
+              <a:rPr lang="de-DE" altLang="de-DE" sz="1600" dirty="0">
+                <a:solidFill>
+                  <a:srgbClr val="000000"/>
+                </a:solidFill>
+                <a:latin typeface="Consolas" panose="020B0609020204030204" pitchFamily="49" charset="0"/>
+                <a:cs typeface="Consolas" panose="020B0609020204030204" pitchFamily="49" charset="0"/>
+              </a:rPr>
+              <a:t>    </a:t>
+            </a:r>
+            <a:r>
+              <a:rPr lang="de-DE" altLang="de-DE" sz="1600" b="1" dirty="0" err="1">
+                <a:solidFill>
+                  <a:srgbClr val="000080"/>
+                </a:solidFill>
+                <a:latin typeface="Consolas" panose="020B0609020204030204" pitchFamily="49" charset="0"/>
+                <a:cs typeface="Consolas" panose="020B0609020204030204" pitchFamily="49" charset="0"/>
+              </a:rPr>
+              <a:t>public</a:t>
+            </a:r>
+            <a:r>
+              <a:rPr lang="de-DE" altLang="de-DE" sz="1600" dirty="0">
+                <a:solidFill>
+                  <a:srgbClr val="000000"/>
+                </a:solidFill>
+                <a:latin typeface="Consolas" panose="020B0609020204030204" pitchFamily="49" charset="0"/>
+                <a:cs typeface="Consolas" panose="020B0609020204030204" pitchFamily="49" charset="0"/>
+              </a:rPr>
+              <a:t> </a:t>
+            </a:r>
+            <a:r>
+              <a:rPr lang="de-DE" altLang="de-DE" sz="1600" b="1" dirty="0" err="1">
+                <a:solidFill>
+                  <a:srgbClr val="000080"/>
+                </a:solidFill>
+                <a:latin typeface="Consolas" panose="020B0609020204030204" pitchFamily="49" charset="0"/>
+                <a:cs typeface="Consolas" panose="020B0609020204030204" pitchFamily="49" charset="0"/>
+              </a:rPr>
+              <a:t>void</a:t>
+            </a:r>
+            <a:r>
+              <a:rPr lang="de-DE" altLang="de-DE" sz="1600" dirty="0">
+                <a:solidFill>
+                  <a:srgbClr val="000000"/>
+                </a:solidFill>
+                <a:latin typeface="Consolas" panose="020B0609020204030204" pitchFamily="49" charset="0"/>
+                <a:cs typeface="Consolas" panose="020B0609020204030204" pitchFamily="49" charset="0"/>
+              </a:rPr>
+              <a:t> </a:t>
+            </a:r>
+            <a:r>
+              <a:rPr lang="de-DE" altLang="de-DE" sz="1600" b="1" dirty="0" err="1">
+                <a:solidFill>
+                  <a:srgbClr val="000080"/>
+                </a:solidFill>
+                <a:latin typeface="Consolas" panose="020B0609020204030204" pitchFamily="49" charset="0"/>
+                <a:cs typeface="Consolas" panose="020B0609020204030204" pitchFamily="49" charset="0"/>
+              </a:rPr>
+              <a:t>renderHead</a:t>
+            </a:r>
+            <a:r>
+              <a:rPr lang="de-DE" altLang="de-DE" sz="1600" dirty="0">
+                <a:solidFill>
+                  <a:srgbClr val="000000"/>
+                </a:solidFill>
+                <a:latin typeface="Consolas" panose="020B0609020204030204" pitchFamily="49" charset="0"/>
+                <a:cs typeface="Consolas" panose="020B0609020204030204" pitchFamily="49" charset="0"/>
+              </a:rPr>
+              <a:t>(</a:t>
+            </a:r>
+            <a:r>
+              <a:rPr lang="de-DE" altLang="de-DE" sz="1600" dirty="0" err="1">
+                <a:solidFill>
+                  <a:srgbClr val="000000"/>
+                </a:solidFill>
+                <a:latin typeface="Consolas" panose="020B0609020204030204" pitchFamily="49" charset="0"/>
+                <a:cs typeface="Consolas" panose="020B0609020204030204" pitchFamily="49" charset="0"/>
+              </a:rPr>
+              <a:t>IHeaderResponse</a:t>
+            </a:r>
+            <a:r>
+              <a:rPr lang="de-DE" altLang="de-DE" sz="1600" dirty="0">
+                <a:solidFill>
+                  <a:srgbClr val="000000"/>
+                </a:solidFill>
+                <a:latin typeface="Consolas" panose="020B0609020204030204" pitchFamily="49" charset="0"/>
+                <a:cs typeface="Consolas" panose="020B0609020204030204" pitchFamily="49" charset="0"/>
+              </a:rPr>
+              <a:t> </a:t>
+            </a:r>
+            <a:r>
+              <a:rPr lang="de-DE" altLang="de-DE" sz="1600" dirty="0" err="1">
+                <a:solidFill>
+                  <a:srgbClr val="000000"/>
+                </a:solidFill>
+                <a:latin typeface="Consolas" panose="020B0609020204030204" pitchFamily="49" charset="0"/>
+                <a:cs typeface="Consolas" panose="020B0609020204030204" pitchFamily="49" charset="0"/>
+              </a:rPr>
+              <a:t>response</a:t>
+            </a:r>
+            <a:r>
+              <a:rPr lang="de-DE" altLang="de-DE" sz="1600" dirty="0">
+                <a:solidFill>
+                  <a:srgbClr val="000000"/>
+                </a:solidFill>
+                <a:latin typeface="Consolas" panose="020B0609020204030204" pitchFamily="49" charset="0"/>
+                <a:cs typeface="Consolas" panose="020B0609020204030204" pitchFamily="49" charset="0"/>
+              </a:rPr>
+              <a:t>) {</a:t>
+            </a:r>
+          </a:p>
+          <a:p>
+            <a:pPr marL="0" lvl="0" indent="0">
+              <a:spcBef>
+                <a:spcPct val="0"/>
+              </a:spcBef>
+              <a:buClrTx/>
+              <a:buNone/>
+            </a:pPr>
+            <a:r>
+              <a:rPr lang="de-DE" altLang="de-DE" sz="1600" dirty="0">
+                <a:solidFill>
+                  <a:srgbClr val="000000"/>
+                </a:solidFill>
+                <a:latin typeface="Consolas" panose="020B0609020204030204" pitchFamily="49" charset="0"/>
+                <a:cs typeface="Consolas" panose="020B0609020204030204" pitchFamily="49" charset="0"/>
+              </a:rPr>
+              <a:t>        </a:t>
+            </a:r>
+            <a:r>
+              <a:rPr lang="de-DE" altLang="de-DE" sz="1600" b="1" dirty="0" err="1">
+                <a:solidFill>
+                  <a:srgbClr val="000080"/>
+                </a:solidFill>
+                <a:latin typeface="Consolas" panose="020B0609020204030204" pitchFamily="49" charset="0"/>
+                <a:cs typeface="Consolas" panose="020B0609020204030204" pitchFamily="49" charset="0"/>
+              </a:rPr>
+              <a:t>super</a:t>
+            </a:r>
+            <a:r>
+              <a:rPr lang="de-DE" altLang="de-DE" sz="1600" dirty="0" err="1">
+                <a:solidFill>
+                  <a:srgbClr val="000000"/>
+                </a:solidFill>
+                <a:latin typeface="Consolas" panose="020B0609020204030204" pitchFamily="49" charset="0"/>
+                <a:cs typeface="Consolas" panose="020B0609020204030204" pitchFamily="49" charset="0"/>
+              </a:rPr>
+              <a:t>.renderHead</a:t>
+            </a:r>
+            <a:r>
+              <a:rPr lang="de-DE" altLang="de-DE" sz="1600" dirty="0">
+                <a:solidFill>
+                  <a:srgbClr val="000000"/>
+                </a:solidFill>
+                <a:latin typeface="Consolas" panose="020B0609020204030204" pitchFamily="49" charset="0"/>
+                <a:cs typeface="Consolas" panose="020B0609020204030204" pitchFamily="49" charset="0"/>
+              </a:rPr>
+              <a:t>(</a:t>
+            </a:r>
+            <a:r>
+              <a:rPr lang="de-DE" altLang="de-DE" sz="1600" dirty="0" err="1">
+                <a:solidFill>
+                  <a:srgbClr val="000000"/>
+                </a:solidFill>
+                <a:latin typeface="Consolas" panose="020B0609020204030204" pitchFamily="49" charset="0"/>
+                <a:cs typeface="Consolas" panose="020B0609020204030204" pitchFamily="49" charset="0"/>
+              </a:rPr>
+              <a:t>response</a:t>
+            </a:r>
+            <a:r>
+              <a:rPr lang="de-DE" altLang="de-DE" sz="1600" dirty="0">
+                <a:solidFill>
+                  <a:srgbClr val="000000"/>
+                </a:solidFill>
+                <a:latin typeface="Consolas" panose="020B0609020204030204" pitchFamily="49" charset="0"/>
+                <a:cs typeface="Consolas" panose="020B0609020204030204" pitchFamily="49" charset="0"/>
+              </a:rPr>
+              <a:t>);</a:t>
+            </a:r>
+          </a:p>
+          <a:p>
+            <a:pPr marL="0" lvl="0" indent="0">
+              <a:spcBef>
+                <a:spcPct val="0"/>
+              </a:spcBef>
+              <a:buClrTx/>
+              <a:buNone/>
+            </a:pPr>
+            <a:r>
+              <a:rPr lang="de-DE" altLang="de-DE" sz="1600" dirty="0">
+                <a:solidFill>
+                  <a:srgbClr val="000000"/>
+                </a:solidFill>
+                <a:latin typeface="Consolas" panose="020B0609020204030204" pitchFamily="49" charset="0"/>
+                <a:cs typeface="Consolas" panose="020B0609020204030204" pitchFamily="49" charset="0"/>
+              </a:rPr>
+              <a:t>        </a:t>
+            </a:r>
+          </a:p>
+          <a:p>
+            <a:pPr marL="0" lvl="0" indent="0">
+              <a:spcBef>
+                <a:spcPct val="0"/>
+              </a:spcBef>
+              <a:buClrTx/>
+              <a:buNone/>
+            </a:pPr>
+            <a:r>
+              <a:rPr lang="de-DE" altLang="de-DE" sz="1600" dirty="0">
+                <a:solidFill>
+                  <a:srgbClr val="000000"/>
+                </a:solidFill>
+                <a:latin typeface="Consolas" panose="020B0609020204030204" pitchFamily="49" charset="0"/>
+                <a:cs typeface="Consolas" panose="020B0609020204030204" pitchFamily="49" charset="0"/>
+              </a:rPr>
+              <a:t>	</a:t>
+            </a:r>
+            <a:r>
+              <a:rPr lang="de-DE" altLang="de-DE" sz="1600" dirty="0" err="1">
+                <a:solidFill>
+                  <a:srgbClr val="000000"/>
+                </a:solidFill>
+                <a:latin typeface="Consolas" panose="020B0609020204030204" pitchFamily="49" charset="0"/>
+                <a:cs typeface="Consolas" panose="020B0609020204030204" pitchFamily="49" charset="0"/>
+              </a:rPr>
+              <a:t>response.render</a:t>
+            </a:r>
+            <a:r>
+              <a:rPr lang="de-DE" altLang="de-DE" sz="1600" dirty="0">
+                <a:solidFill>
+                  <a:srgbClr val="000000"/>
+                </a:solidFill>
+                <a:latin typeface="Consolas" panose="020B0609020204030204" pitchFamily="49" charset="0"/>
+                <a:cs typeface="Consolas" panose="020B0609020204030204" pitchFamily="49" charset="0"/>
+              </a:rPr>
+              <a:t>(</a:t>
+            </a:r>
+            <a:r>
+              <a:rPr lang="de-DE" altLang="de-DE" sz="1600" dirty="0" err="1">
+                <a:solidFill>
+                  <a:srgbClr val="000000"/>
+                </a:solidFill>
+                <a:latin typeface="Consolas" panose="020B0609020204030204" pitchFamily="49" charset="0"/>
+                <a:cs typeface="Consolas" panose="020B0609020204030204" pitchFamily="49" charset="0"/>
+              </a:rPr>
+              <a:t>CssHeaderItem.forReference</a:t>
+            </a:r>
+            <a:r>
+              <a:rPr lang="de-DE" altLang="de-DE" sz="1600" dirty="0">
+                <a:solidFill>
+                  <a:srgbClr val="000000"/>
+                </a:solidFill>
+                <a:latin typeface="Consolas" panose="020B0609020204030204" pitchFamily="49" charset="0"/>
+                <a:cs typeface="Consolas" panose="020B0609020204030204" pitchFamily="49" charset="0"/>
+              </a:rPr>
+              <a:t>(</a:t>
+            </a:r>
+          </a:p>
+          <a:p>
+            <a:pPr marL="0" lvl="0" indent="0">
+              <a:spcBef>
+                <a:spcPct val="0"/>
+              </a:spcBef>
+              <a:buClrTx/>
+              <a:buNone/>
+            </a:pPr>
+            <a:r>
+              <a:rPr lang="de-DE" altLang="de-DE" sz="1600" dirty="0">
+                <a:solidFill>
+                  <a:srgbClr val="000000"/>
+                </a:solidFill>
+                <a:latin typeface="Consolas" panose="020B0609020204030204" pitchFamily="49" charset="0"/>
+                <a:cs typeface="Consolas" panose="020B0609020204030204" pitchFamily="49" charset="0"/>
+              </a:rPr>
+              <a:t>	</a:t>
+            </a:r>
+            <a:r>
+              <a:rPr lang="de-DE" altLang="de-DE" sz="1600" b="1" dirty="0" err="1">
+                <a:solidFill>
+                  <a:srgbClr val="000080"/>
+                </a:solidFill>
+                <a:latin typeface="Consolas" panose="020B0609020204030204" pitchFamily="49" charset="0"/>
+                <a:cs typeface="Consolas" panose="020B0609020204030204" pitchFamily="49" charset="0"/>
+              </a:rPr>
+              <a:t>new</a:t>
+            </a:r>
+            <a:r>
+              <a:rPr lang="de-DE" altLang="de-DE" sz="1600" dirty="0">
+                <a:solidFill>
+                  <a:srgbClr val="000000"/>
+                </a:solidFill>
+                <a:latin typeface="Consolas" panose="020B0609020204030204" pitchFamily="49" charset="0"/>
+                <a:cs typeface="Consolas" panose="020B0609020204030204" pitchFamily="49" charset="0"/>
+              </a:rPr>
+              <a:t> </a:t>
+            </a:r>
+            <a:r>
+              <a:rPr lang="de-DE" altLang="de-DE" sz="1600" dirty="0" err="1">
+                <a:solidFill>
+                  <a:srgbClr val="000000"/>
+                </a:solidFill>
+                <a:latin typeface="Consolas" panose="020B0609020204030204" pitchFamily="49" charset="0"/>
+                <a:cs typeface="Consolas" panose="020B0609020204030204" pitchFamily="49" charset="0"/>
+              </a:rPr>
+              <a:t>CssResourceReference</a:t>
+            </a:r>
+            <a:r>
+              <a:rPr lang="de-DE" altLang="de-DE" sz="1600" dirty="0">
+                <a:solidFill>
+                  <a:srgbClr val="000000"/>
+                </a:solidFill>
+                <a:latin typeface="Consolas" panose="020B0609020204030204" pitchFamily="49" charset="0"/>
+                <a:cs typeface="Consolas" panose="020B0609020204030204" pitchFamily="49" charset="0"/>
+              </a:rPr>
+              <a:t>(</a:t>
+            </a:r>
+            <a:r>
+              <a:rPr lang="de-DE" altLang="de-DE" sz="1600" dirty="0" err="1">
+                <a:solidFill>
+                  <a:srgbClr val="000000"/>
+                </a:solidFill>
+                <a:latin typeface="Consolas" panose="020B0609020204030204" pitchFamily="49" charset="0"/>
+                <a:cs typeface="Consolas" panose="020B0609020204030204" pitchFamily="49" charset="0"/>
+              </a:rPr>
+              <a:t>Index.</a:t>
+            </a:r>
+            <a:r>
+              <a:rPr lang="de-DE" altLang="de-DE" sz="1600" b="1" dirty="0" err="1">
+                <a:solidFill>
+                  <a:srgbClr val="000080"/>
+                </a:solidFill>
+                <a:latin typeface="Consolas" panose="020B0609020204030204" pitchFamily="49" charset="0"/>
+                <a:cs typeface="Consolas" panose="020B0609020204030204" pitchFamily="49" charset="0"/>
+              </a:rPr>
+              <a:t>class</a:t>
+            </a:r>
+            <a:r>
+              <a:rPr lang="de-DE" altLang="de-DE" sz="1600" dirty="0">
+                <a:solidFill>
+                  <a:srgbClr val="000000"/>
+                </a:solidFill>
+                <a:latin typeface="Consolas" panose="020B0609020204030204" pitchFamily="49" charset="0"/>
+                <a:cs typeface="Consolas" panose="020B0609020204030204" pitchFamily="49" charset="0"/>
+              </a:rPr>
+              <a:t>, "</a:t>
+            </a:r>
+            <a:r>
+              <a:rPr lang="de-DE" altLang="de-DE" sz="1600" dirty="0">
+                <a:solidFill>
+                  <a:schemeClr val="accent2"/>
+                </a:solidFill>
+                <a:latin typeface="Consolas" panose="020B0609020204030204" pitchFamily="49" charset="0"/>
+                <a:cs typeface="Consolas" panose="020B0609020204030204" pitchFamily="49" charset="0"/>
+              </a:rPr>
+              <a:t>PATH_TO_CSS_FILE</a:t>
+            </a:r>
+            <a:r>
+              <a:rPr lang="de-DE" altLang="de-DE" sz="1600" dirty="0">
+                <a:solidFill>
+                  <a:srgbClr val="000000"/>
+                </a:solidFill>
+                <a:latin typeface="Consolas" panose="020B0609020204030204" pitchFamily="49" charset="0"/>
+                <a:cs typeface="Consolas" panose="020B0609020204030204" pitchFamily="49" charset="0"/>
+              </a:rPr>
+              <a:t>")));</a:t>
+            </a:r>
+          </a:p>
+          <a:p>
+            <a:pPr marL="0" lvl="0" indent="0">
+              <a:spcBef>
+                <a:spcPct val="0"/>
+              </a:spcBef>
+              <a:buClrTx/>
+              <a:buNone/>
+            </a:pPr>
+            <a:r>
+              <a:rPr lang="de-DE" altLang="de-DE" sz="1600" dirty="0">
+                <a:solidFill>
+                  <a:srgbClr val="000000"/>
+                </a:solidFill>
+                <a:latin typeface="Consolas" panose="020B0609020204030204" pitchFamily="49" charset="0"/>
+                <a:cs typeface="Consolas" panose="020B0609020204030204" pitchFamily="49" charset="0"/>
+              </a:rPr>
+              <a:t>        </a:t>
+            </a:r>
+          </a:p>
+          <a:p>
+            <a:pPr marL="0" lvl="0" indent="0">
+              <a:spcBef>
+                <a:spcPct val="0"/>
+              </a:spcBef>
+              <a:buClrTx/>
+              <a:buNone/>
+            </a:pPr>
+            <a:r>
+              <a:rPr lang="de-DE" altLang="de-DE" sz="1600" dirty="0">
+                <a:solidFill>
+                  <a:srgbClr val="000000"/>
+                </a:solidFill>
+                <a:latin typeface="Consolas" panose="020B0609020204030204" pitchFamily="49" charset="0"/>
+                <a:cs typeface="Consolas" panose="020B0609020204030204" pitchFamily="49" charset="0"/>
+              </a:rPr>
+              <a:t>	</a:t>
+            </a:r>
+            <a:r>
+              <a:rPr lang="de-DE" altLang="de-DE" sz="1600" dirty="0" err="1">
+                <a:solidFill>
+                  <a:srgbClr val="000000"/>
+                </a:solidFill>
+                <a:latin typeface="Consolas" panose="020B0609020204030204" pitchFamily="49" charset="0"/>
+                <a:cs typeface="Consolas" panose="020B0609020204030204" pitchFamily="49" charset="0"/>
+              </a:rPr>
+              <a:t>response.render</a:t>
+            </a:r>
+            <a:r>
+              <a:rPr lang="de-DE" altLang="de-DE" sz="1600" dirty="0">
+                <a:solidFill>
+                  <a:srgbClr val="000000"/>
+                </a:solidFill>
+                <a:latin typeface="Consolas" panose="020B0609020204030204" pitchFamily="49" charset="0"/>
+                <a:cs typeface="Consolas" panose="020B0609020204030204" pitchFamily="49" charset="0"/>
+              </a:rPr>
+              <a:t>(</a:t>
+            </a:r>
+            <a:r>
+              <a:rPr lang="de-DE" altLang="de-DE" sz="1600" dirty="0" err="1">
+                <a:solidFill>
+                  <a:srgbClr val="000000"/>
+                </a:solidFill>
+                <a:latin typeface="Consolas" panose="020B0609020204030204" pitchFamily="49" charset="0"/>
+                <a:cs typeface="Consolas" panose="020B0609020204030204" pitchFamily="49" charset="0"/>
+              </a:rPr>
+              <a:t>JavaScriptHeaderItem.forReference</a:t>
+            </a:r>
+            <a:r>
+              <a:rPr lang="de-DE" altLang="de-DE" sz="1600" dirty="0">
+                <a:solidFill>
+                  <a:srgbClr val="000000"/>
+                </a:solidFill>
+                <a:latin typeface="Consolas" panose="020B0609020204030204" pitchFamily="49" charset="0"/>
+                <a:cs typeface="Consolas" panose="020B0609020204030204" pitchFamily="49" charset="0"/>
+              </a:rPr>
+              <a:t>(</a:t>
+            </a:r>
+          </a:p>
+          <a:p>
+            <a:pPr marL="0" lvl="0" indent="0">
+              <a:spcBef>
+                <a:spcPct val="0"/>
+              </a:spcBef>
+              <a:buClrTx/>
+              <a:buNone/>
+            </a:pPr>
+            <a:r>
+              <a:rPr lang="de-DE" altLang="de-DE" sz="1600" dirty="0">
+                <a:solidFill>
+                  <a:srgbClr val="000000"/>
+                </a:solidFill>
+                <a:latin typeface="Consolas" panose="020B0609020204030204" pitchFamily="49" charset="0"/>
+                <a:cs typeface="Consolas" panose="020B0609020204030204" pitchFamily="49" charset="0"/>
+              </a:rPr>
+              <a:t>	</a:t>
+            </a:r>
+            <a:r>
+              <a:rPr lang="de-DE" altLang="de-DE" sz="1600" b="1" dirty="0" err="1">
+                <a:solidFill>
+                  <a:srgbClr val="000080"/>
+                </a:solidFill>
+                <a:latin typeface="Consolas" panose="020B0609020204030204" pitchFamily="49" charset="0"/>
+                <a:cs typeface="Consolas" panose="020B0609020204030204" pitchFamily="49" charset="0"/>
+              </a:rPr>
+              <a:t>new</a:t>
+            </a:r>
+            <a:r>
+              <a:rPr lang="de-DE" altLang="de-DE" sz="1600" dirty="0">
+                <a:solidFill>
+                  <a:srgbClr val="000000"/>
+                </a:solidFill>
+                <a:latin typeface="Consolas" panose="020B0609020204030204" pitchFamily="49" charset="0"/>
+                <a:cs typeface="Consolas" panose="020B0609020204030204" pitchFamily="49" charset="0"/>
+              </a:rPr>
+              <a:t> </a:t>
+            </a:r>
+            <a:r>
+              <a:rPr lang="de-DE" altLang="de-DE" sz="1600" dirty="0" err="1">
+                <a:solidFill>
+                  <a:srgbClr val="000000"/>
+                </a:solidFill>
+                <a:latin typeface="Consolas" panose="020B0609020204030204" pitchFamily="49" charset="0"/>
+                <a:cs typeface="Consolas" panose="020B0609020204030204" pitchFamily="49" charset="0"/>
+              </a:rPr>
+              <a:t>JavaScriptResourceReference</a:t>
+            </a:r>
+            <a:r>
+              <a:rPr lang="de-DE" altLang="de-DE" sz="1600" dirty="0">
+                <a:solidFill>
+                  <a:srgbClr val="000000"/>
+                </a:solidFill>
+                <a:latin typeface="Consolas" panose="020B0609020204030204" pitchFamily="49" charset="0"/>
+                <a:cs typeface="Consolas" panose="020B0609020204030204" pitchFamily="49" charset="0"/>
+              </a:rPr>
+              <a:t>(</a:t>
+            </a:r>
+            <a:r>
+              <a:rPr lang="de-DE" altLang="de-DE" sz="1600" dirty="0" err="1">
+                <a:solidFill>
+                  <a:srgbClr val="000000"/>
+                </a:solidFill>
+                <a:latin typeface="Consolas" panose="020B0609020204030204" pitchFamily="49" charset="0"/>
+                <a:cs typeface="Consolas" panose="020B0609020204030204" pitchFamily="49" charset="0"/>
+              </a:rPr>
+              <a:t>Index.</a:t>
+            </a:r>
+            <a:r>
+              <a:rPr lang="de-DE" altLang="de-DE" sz="1600" b="1" dirty="0" err="1">
+                <a:solidFill>
+                  <a:srgbClr val="000080"/>
+                </a:solidFill>
+                <a:latin typeface="Consolas" panose="020B0609020204030204" pitchFamily="49" charset="0"/>
+                <a:cs typeface="Consolas" panose="020B0609020204030204" pitchFamily="49" charset="0"/>
+              </a:rPr>
+              <a:t>class</a:t>
+            </a:r>
+            <a:r>
+              <a:rPr lang="de-DE" altLang="de-DE" sz="1600" dirty="0">
+                <a:solidFill>
+                  <a:srgbClr val="000000"/>
+                </a:solidFill>
+                <a:latin typeface="Consolas" panose="020B0609020204030204" pitchFamily="49" charset="0"/>
+                <a:cs typeface="Consolas" panose="020B0609020204030204" pitchFamily="49" charset="0"/>
+              </a:rPr>
+              <a:t>, "</a:t>
+            </a:r>
+            <a:r>
+              <a:rPr lang="de-DE" altLang="de-DE" sz="1600" dirty="0">
+                <a:solidFill>
+                  <a:schemeClr val="accent2"/>
+                </a:solidFill>
+                <a:latin typeface="Consolas" panose="020B0609020204030204" pitchFamily="49" charset="0"/>
+                <a:cs typeface="Consolas" panose="020B0609020204030204" pitchFamily="49" charset="0"/>
+              </a:rPr>
+              <a:t>PATH_TO_JSS_FILE</a:t>
+            </a:r>
+            <a:r>
+              <a:rPr lang="de-DE" altLang="de-DE" sz="1600" dirty="0">
+                <a:solidFill>
+                  <a:srgbClr val="000000"/>
+                </a:solidFill>
+                <a:latin typeface="Consolas" panose="020B0609020204030204" pitchFamily="49" charset="0"/>
+                <a:cs typeface="Consolas" panose="020B0609020204030204" pitchFamily="49" charset="0"/>
+              </a:rPr>
+              <a:t>")));</a:t>
+            </a:r>
+          </a:p>
+          <a:p>
+            <a:pPr marL="0" lvl="0" indent="0">
+              <a:spcBef>
+                <a:spcPct val="0"/>
+              </a:spcBef>
+              <a:buClrTx/>
+              <a:buNone/>
+            </a:pPr>
+            <a:r>
+              <a:rPr lang="de-DE" altLang="de-DE" sz="1600" dirty="0">
+                <a:solidFill>
+                  <a:srgbClr val="000000"/>
+                </a:solidFill>
+                <a:latin typeface="Consolas" panose="020B0609020204030204" pitchFamily="49" charset="0"/>
+                <a:cs typeface="Consolas" panose="020B0609020204030204" pitchFamily="49" charset="0"/>
+              </a:rPr>
+              <a:t>    </a:t>
+            </a:r>
+            <a:r>
+              <a:rPr lang="de-DE" altLang="de-DE" sz="1600" dirty="0" smtClean="0">
+                <a:solidFill>
+                  <a:srgbClr val="000000"/>
+                </a:solidFill>
+                <a:latin typeface="Consolas" panose="020B0609020204030204" pitchFamily="49" charset="0"/>
+                <a:cs typeface="Consolas" panose="020B0609020204030204" pitchFamily="49" charset="0"/>
+              </a:rPr>
+              <a:t>    }</a:t>
+            </a:r>
+          </a:p>
+          <a:p>
+            <a:pPr marL="0" lvl="0" indent="0">
+              <a:spcBef>
+                <a:spcPct val="0"/>
+              </a:spcBef>
+              <a:buClrTx/>
+              <a:buNone/>
+            </a:pPr>
+            <a:r>
+              <a:rPr lang="de-DE" sz="1600" dirty="0">
+                <a:solidFill>
+                  <a:srgbClr val="000000"/>
+                </a:solidFill>
+                <a:latin typeface="Consolas" panose="020B0609020204030204" pitchFamily="49" charset="0"/>
+                <a:cs typeface="Consolas" panose="020B0609020204030204" pitchFamily="49" charset="0"/>
+              </a:rPr>
+              <a:t> </a:t>
+            </a:r>
+            <a:r>
+              <a:rPr lang="de-DE" sz="1600" dirty="0" smtClean="0">
+                <a:solidFill>
+                  <a:srgbClr val="000000"/>
+                </a:solidFill>
+                <a:latin typeface="Consolas" panose="020B0609020204030204" pitchFamily="49" charset="0"/>
+                <a:cs typeface="Consolas" panose="020B0609020204030204" pitchFamily="49" charset="0"/>
+              </a:rPr>
+              <a:t>   </a:t>
+            </a:r>
+            <a:r>
+              <a:rPr lang="de-DE" sz="1600" dirty="0" smtClean="0">
+                <a:solidFill>
+                  <a:srgbClr val="000000"/>
+                </a:solidFill>
+                <a:latin typeface="Consolas" panose="020B0609020204030204" pitchFamily="49" charset="0"/>
+                <a:cs typeface="Consolas" panose="020B0609020204030204" pitchFamily="49" charset="0"/>
+              </a:rPr>
+              <a:t>}</a:t>
+            </a:r>
             <a:endParaRPr lang="de-DE" sz="2000" dirty="0"/>
           </a:p>
         </p:txBody>
@@ -13833,6 +14179,16 @@
               </a:rPr>
               <a:t>Override</a:t>
             </a:r>
+            <a:r>
+              <a:rPr lang="de-DE" altLang="de-DE" sz="1600" dirty="0">
+                <a:solidFill>
+                  <a:srgbClr val="000000"/>
+                </a:solidFill>
+                <a:latin typeface="Consolas" panose="020B0609020204030204" pitchFamily="49" charset="0"/>
+                <a:cs typeface="Consolas" panose="020B0609020204030204" pitchFamily="49" charset="0"/>
+              </a:rPr>
+              <a:t/>
+            </a:r>
             <a:br>
               <a:rPr lang="de-DE" altLang="de-DE" sz="1600" dirty="0">
                 <a:solidFill>
@@ -13960,6 +14316,16 @@
                 <a:cs typeface="Consolas" panose="020B0609020204030204" pitchFamily="49" charset="0"/>
               </a:rPr>
             </a:br>
+            <a:r>
+              <a:rPr lang="de-DE" altLang="de-DE" sz="1600" dirty="0">
+                <a:solidFill>
+                  <a:srgbClr val="000000"/>
+                </a:solidFill>
+                <a:latin typeface="Consolas" panose="020B0609020204030204" pitchFamily="49" charset="0"/>
+                <a:cs typeface="Consolas" panose="020B0609020204030204" pitchFamily="49" charset="0"/>
+              </a:rPr>
+              <a:t/>
+            </a:r>
             <a:br>
               <a:rPr lang="de-DE" altLang="de-DE" sz="1600" dirty="0">
                 <a:solidFill>
@@ -14195,6 +14561,16 @@
                 <a:cs typeface="Consolas" panose="020B0609020204030204" pitchFamily="49" charset="0"/>
               </a:rPr>
             </a:br>
+            <a:r>
+              <a:rPr lang="de-DE" altLang="de-DE" sz="1600" dirty="0">
+                <a:solidFill>
+                  <a:srgbClr val="000000"/>
+                </a:solidFill>
+                <a:latin typeface="Consolas" panose="020B0609020204030204" pitchFamily="49" charset="0"/>
+                <a:cs typeface="Consolas" panose="020B0609020204030204" pitchFamily="49" charset="0"/>
+              </a:rPr>
+              <a:t/>
+            </a:r>
             <a:br>
               <a:rPr lang="de-DE" altLang="de-DE" sz="1600" dirty="0">
                 <a:solidFill>
@@ -14430,6 +14806,16 @@
                 <a:cs typeface="Consolas" panose="020B0609020204030204" pitchFamily="49" charset="0"/>
               </a:rPr>
             </a:br>
+            <a:r>
+              <a:rPr lang="de-DE" altLang="de-DE" sz="1600" dirty="0">
+                <a:solidFill>
+                  <a:srgbClr val="000000"/>
+                </a:solidFill>
+                <a:latin typeface="Consolas" panose="020B0609020204030204" pitchFamily="49" charset="0"/>
+                <a:cs typeface="Consolas" panose="020B0609020204030204" pitchFamily="49" charset="0"/>
+              </a:rPr>
+              <a:t/>
+            </a:r>
             <a:br>
               <a:rPr lang="de-DE" altLang="de-DE" sz="1600" dirty="0">
                 <a:solidFill>

--- a/slides/Tag-2_5-Bestandteile_Resources.pptx
+++ b/slides/Tag-2_5-Bestandteile_Resources.pptx
@@ -4934,7 +4934,7 @@
               <a:pPr algn="ctr">
                 <a:defRPr/>
               </a:pPr>
-              <a:t>05.08.2020</a:t>
+              <a:t>14.05.2021</a:t>
             </a:fld>
             <a:endParaRPr lang="de-DE" sz="1000" dirty="0">
               <a:solidFill>
@@ -5510,14 +5510,20 @@
               <a:defRPr/>
             </a:pPr>
             <a:r>
-              <a:rPr lang="de-DE" sz="1000" dirty="0">
+              <a:rPr lang="de-DE" sz="1000" dirty="0" smtClean="0">
                 <a:solidFill>
                   <a:schemeClr val="bg1"/>
                 </a:solidFill>
                 <a:latin typeface="Arial" charset="0"/>
               </a:rPr>
-              <a:t>Daniel Krämer</a:t>
-            </a:r>
+              <a:t>Patrick Möbius</a:t>
+            </a:r>
+            <a:endParaRPr lang="de-DE" sz="1000" dirty="0">
+              <a:solidFill>
+                <a:schemeClr val="bg1"/>
+              </a:solidFill>
+              <a:latin typeface="Arial" charset="0"/>
+            </a:endParaRPr>
           </a:p>
         </p:txBody>
       </p:sp>
@@ -13875,17 +13881,7 @@
                 <a:latin typeface="Consolas" panose="020B0609020204030204" pitchFamily="49" charset="0"/>
                 <a:cs typeface="Consolas" panose="020B0609020204030204" pitchFamily="49" charset="0"/>
               </a:rPr>
-              <a:t>   </a:t>
-            </a:r>
-            <a:r>
-              <a:rPr lang="de-DE" sz="1600" dirty="0" smtClean="0">
-                <a:solidFill>
-                  <a:srgbClr val="000000"/>
-                </a:solidFill>
-                <a:latin typeface="Consolas" panose="020B0609020204030204" pitchFamily="49" charset="0"/>
-                <a:cs typeface="Consolas" panose="020B0609020204030204" pitchFamily="49" charset="0"/>
-              </a:rPr>
-              <a:t>}</a:t>
+              <a:t>   }</a:t>
             </a:r>
             <a:endParaRPr lang="de-DE" sz="2000" dirty="0"/>
           </a:p>

--- a/slides/Tag-2_5-Bestandteile_Resources.pptx
+++ b/slides/Tag-2_5-Bestandteile_Resources.pptx
@@ -4934,7 +4934,7 @@
               <a:pPr algn="ctr">
                 <a:defRPr/>
               </a:pPr>
-              <a:t>14.05.2021</a:t>
+              <a:t>08.02.2023</a:t>
             </a:fld>
             <a:endParaRPr lang="de-DE" sz="1000" dirty="0">
               <a:solidFill>
@@ -5392,30 +5392,6 @@
           </a:p>
         </p:txBody>
       </p:sp>
-      <p:pic>
-        <p:nvPicPr>
-          <p:cNvPr id="14" name="Grafik 13" descr="logoGFU.jpg"/>
-          <p:cNvPicPr>
-            <a:picLocks noChangeAspect="1"/>
-          </p:cNvPicPr>
-          <p:nvPr/>
-        </p:nvPicPr>
-        <p:blipFill>
-          <a:blip r:embed="rId16" cstate="print"/>
-          <a:stretch>
-            <a:fillRect/>
-          </a:stretch>
-        </p:blipFill>
-        <p:spPr>
-          <a:xfrm>
-            <a:off x="6805628" y="572040"/>
-            <a:ext cx="1785950" cy="385205"/>
-          </a:xfrm>
-          <a:prstGeom prst="rect">
-            <a:avLst/>
-          </a:prstGeom>
-        </p:spPr>
-      </p:pic>
       <p:sp>
         <p:nvSpPr>
           <p:cNvPr id="15" name="Text Box 24"/>
@@ -5510,13 +5486,22 @@
               <a:defRPr/>
             </a:pPr>
             <a:r>
-              <a:rPr lang="de-DE" sz="1000" dirty="0" smtClean="0">
+              <a:rPr lang="de-DE" sz="1000" dirty="0">
                 <a:solidFill>
                   <a:schemeClr val="bg1"/>
                 </a:solidFill>
                 <a:latin typeface="Arial" charset="0"/>
               </a:rPr>
-              <a:t>Patrick Möbius</a:t>
+              <a:t>Patrick </a:t>
+            </a:r>
+            <a:r>
+              <a:rPr lang="de-DE" sz="1000" dirty="0" err="1">
+                <a:solidFill>
+                  <a:schemeClr val="bg1"/>
+                </a:solidFill>
+                <a:latin typeface="Arial" charset="0"/>
+              </a:rPr>
+              <a:t>Ungewiß</a:t>
             </a:r>
             <a:endParaRPr lang="de-DE" sz="1000" dirty="0">
               <a:solidFill>
@@ -7184,16 +7169,6 @@
             <a:pPr marL="400050" lvl="1" indent="0">
               <a:buNone/>
             </a:pPr>
-            <a:r>
-              <a:rPr lang="de-DE" altLang="de-DE" sz="1400" dirty="0">
-                <a:solidFill>
-                  <a:srgbClr val="000000"/>
-                </a:solidFill>
-                <a:latin typeface="Consolas" panose="020B0609020204030204" pitchFamily="49" charset="0"/>
-                <a:cs typeface="Consolas" panose="020B0609020204030204" pitchFamily="49" charset="0"/>
-              </a:rPr>
-              <a:t/>
-            </a:r>
             <a:br>
               <a:rPr lang="de-DE" altLang="de-DE" sz="1400" dirty="0">
                 <a:solidFill>
@@ -7926,16 +7901,6 @@
                 <a:cs typeface="Consolas" panose="020B0609020204030204" pitchFamily="49" charset="0"/>
               </a:rPr>
             </a:br>
-            <a:r>
-              <a:rPr lang="de-DE" altLang="de-DE" sz="1200" dirty="0">
-                <a:solidFill>
-                  <a:srgbClr val="000000"/>
-                </a:solidFill>
-                <a:latin typeface="Consolas" panose="020B0609020204030204" pitchFamily="49" charset="0"/>
-                <a:cs typeface="Consolas" panose="020B0609020204030204" pitchFamily="49" charset="0"/>
-              </a:rPr>
-              <a:t/>
-            </a:r>
             <a:br>
               <a:rPr lang="de-DE" altLang="de-DE" sz="1200" dirty="0">
                 <a:solidFill>
@@ -7965,16 +7930,6 @@
               </a:rPr>
               <a:t>Override</a:t>
             </a:r>
-            <a:r>
-              <a:rPr lang="de-DE" altLang="de-DE" sz="1200" dirty="0">
-                <a:solidFill>
-                  <a:srgbClr val="000000"/>
-                </a:solidFill>
-                <a:latin typeface="Consolas" panose="020B0609020204030204" pitchFamily="49" charset="0"/>
-                <a:cs typeface="Consolas" panose="020B0609020204030204" pitchFamily="49" charset="0"/>
-              </a:rPr>
-              <a:t/>
-            </a:r>
             <a:br>
               <a:rPr lang="de-DE" altLang="de-DE" sz="1200" dirty="0">
                 <a:solidFill>
@@ -8340,16 +8295,6 @@
                 <a:cs typeface="Consolas" panose="020B0609020204030204" pitchFamily="49" charset="0"/>
               </a:rPr>
             </a:br>
-            <a:r>
-              <a:rPr lang="de-DE" altLang="de-DE" sz="1200" dirty="0">
-                <a:solidFill>
-                  <a:srgbClr val="000000"/>
-                </a:solidFill>
-                <a:latin typeface="Consolas" panose="020B0609020204030204" pitchFamily="49" charset="0"/>
-                <a:cs typeface="Consolas" panose="020B0609020204030204" pitchFamily="49" charset="0"/>
-              </a:rPr>
-              <a:t/>
-            </a:r>
             <a:br>
               <a:rPr lang="de-DE" altLang="de-DE" sz="1200" dirty="0">
                 <a:solidFill>
@@ -8483,16 +8428,6 @@
               </a:rPr>
               <a:t>Override</a:t>
             </a:r>
-            <a:r>
-              <a:rPr lang="de-DE" altLang="de-DE" sz="1200" dirty="0">
-                <a:solidFill>
-                  <a:srgbClr val="000000"/>
-                </a:solidFill>
-                <a:latin typeface="Consolas" panose="020B0609020204030204" pitchFamily="49" charset="0"/>
-                <a:cs typeface="Consolas" panose="020B0609020204030204" pitchFamily="49" charset="0"/>
-              </a:rPr>
-              <a:t/>
-            </a:r>
             <a:br>
               <a:rPr lang="de-DE" altLang="de-DE" sz="1200" dirty="0">
                 <a:solidFill>
@@ -8622,16 +8557,6 @@
               </a:rPr>
               <a:t>IOException</a:t>
             </a:r>
-            <a:r>
-              <a:rPr lang="de-DE" altLang="de-DE" sz="1200" dirty="0">
-                <a:solidFill>
-                  <a:srgbClr val="000000"/>
-                </a:solidFill>
-                <a:latin typeface="Consolas" panose="020B0609020204030204" pitchFamily="49" charset="0"/>
-                <a:cs typeface="Consolas" panose="020B0609020204030204" pitchFamily="49" charset="0"/>
-              </a:rPr>
-              <a:t/>
-            </a:r>
             <a:br>
               <a:rPr lang="de-DE" altLang="de-DE" sz="1200" dirty="0">
                 <a:solidFill>
@@ -8760,16 +8685,6 @@
               </a:rPr>
               <a:t>();</a:t>
             </a:r>
-            <a:r>
-              <a:rPr lang="de-DE" altLang="de-DE" sz="1200" dirty="0">
-                <a:solidFill>
-                  <a:srgbClr val="000000"/>
-                </a:solidFill>
-                <a:latin typeface="Consolas" panose="020B0609020204030204" pitchFamily="49" charset="0"/>
-                <a:cs typeface="Consolas" panose="020B0609020204030204" pitchFamily="49" charset="0"/>
-              </a:rPr>
-              <a:t/>
-            </a:r>
             <a:br>
               <a:rPr lang="de-DE" altLang="de-DE" sz="1200" dirty="0">
                 <a:solidFill>
@@ -9400,16 +9315,6 @@
                 <a:cs typeface="Consolas" panose="020B0609020204030204" pitchFamily="49" charset="0"/>
               </a:rPr>
             </a:br>
-            <a:r>
-              <a:rPr lang="de-DE" altLang="de-DE" sz="1200" dirty="0">
-                <a:solidFill>
-                  <a:srgbClr val="000000"/>
-                </a:solidFill>
-                <a:latin typeface="Consolas" panose="020B0609020204030204" pitchFamily="49" charset="0"/>
-                <a:cs typeface="Consolas" panose="020B0609020204030204" pitchFamily="49" charset="0"/>
-              </a:rPr>
-              <a:t/>
-            </a:r>
             <a:br>
               <a:rPr lang="de-DE" altLang="de-DE" sz="1200" dirty="0">
                 <a:solidFill>
@@ -9815,16 +9720,6 @@
             <a:pPr marL="0" lvl="0" indent="0">
               <a:buNone/>
             </a:pPr>
-            <a:r>
-              <a:rPr lang="de-DE" altLang="de-DE" sz="1600" i="1" dirty="0">
-                <a:solidFill>
-                  <a:srgbClr val="808080"/>
-                </a:solidFill>
-                <a:latin typeface="Consolas" panose="020B0609020204030204" pitchFamily="49" charset="0"/>
-                <a:cs typeface="Consolas" panose="020B0609020204030204" pitchFamily="49" charset="0"/>
-              </a:rPr>
-              <a:t/>
-            </a:r>
             <a:br>
               <a:rPr lang="de-DE" altLang="de-DE" sz="1600" i="1" dirty="0">
                 <a:solidFill>
@@ -9853,16 +9748,6 @@
                 <a:cs typeface="Consolas" panose="020B0609020204030204" pitchFamily="49" charset="0"/>
               </a:rPr>
               <a:t>Override</a:t>
-            </a:r>
-            <a:r>
-              <a:rPr lang="de-DE" altLang="de-DE" sz="1600" dirty="0">
-                <a:solidFill>
-                  <a:srgbClr val="000000"/>
-                </a:solidFill>
-                <a:latin typeface="Consolas" panose="020B0609020204030204" pitchFamily="49" charset="0"/>
-                <a:cs typeface="Consolas" panose="020B0609020204030204" pitchFamily="49" charset="0"/>
-              </a:rPr>
-              <a:t/>
             </a:r>
             <a:br>
               <a:rPr lang="de-DE" altLang="de-DE" sz="1600" dirty="0">
@@ -11171,16 +11056,6 @@
                 <a:cs typeface="Consolas" panose="020B0609020204030204" pitchFamily="49" charset="0"/>
               </a:rPr>
             </a:br>
-            <a:r>
-              <a:rPr lang="de-DE" altLang="de-DE" sz="1600" dirty="0">
-                <a:solidFill>
-                  <a:srgbClr val="000000"/>
-                </a:solidFill>
-                <a:latin typeface="Consolas" panose="020B0609020204030204" pitchFamily="49" charset="0"/>
-                <a:cs typeface="Consolas" panose="020B0609020204030204" pitchFamily="49" charset="0"/>
-              </a:rPr>
-              <a:t/>
-            </a:r>
             <a:br>
               <a:rPr lang="de-DE" altLang="de-DE" sz="1600" dirty="0">
                 <a:solidFill>
@@ -11249,16 +11124,6 @@
                 <a:cs typeface="Consolas" panose="020B0609020204030204" pitchFamily="49" charset="0"/>
               </a:rPr>
             </a:br>
-            <a:r>
-              <a:rPr lang="de-DE" altLang="de-DE" sz="1600" dirty="0">
-                <a:solidFill>
-                  <a:srgbClr val="000000"/>
-                </a:solidFill>
-                <a:latin typeface="Consolas" panose="020B0609020204030204" pitchFamily="49" charset="0"/>
-                <a:cs typeface="Consolas" panose="020B0609020204030204" pitchFamily="49" charset="0"/>
-              </a:rPr>
-              <a:t/>
-            </a:r>
             <a:br>
               <a:rPr lang="de-DE" altLang="de-DE" sz="1600" dirty="0">
                 <a:solidFill>
@@ -11307,16 +11172,6 @@
                 <a:cs typeface="Consolas" panose="020B0609020204030204" pitchFamily="49" charset="0"/>
               </a:rPr>
             </a:br>
-            <a:r>
-              <a:rPr lang="de-DE" altLang="de-DE" sz="1600" dirty="0">
-                <a:solidFill>
-                  <a:srgbClr val="000000"/>
-                </a:solidFill>
-                <a:latin typeface="Consolas" panose="020B0609020204030204" pitchFamily="49" charset="0"/>
-                <a:cs typeface="Consolas" panose="020B0609020204030204" pitchFamily="49" charset="0"/>
-              </a:rPr>
-              <a:t/>
-            </a:r>
             <a:br>
               <a:rPr lang="de-DE" altLang="de-DE" sz="1600" dirty="0">
                 <a:solidFill>
@@ -11573,16 +11428,6 @@
                 <a:cs typeface="Consolas" panose="020B0609020204030204" pitchFamily="49" charset="0"/>
               </a:rPr>
             </a:br>
-            <a:r>
-              <a:rPr lang="de-DE" altLang="de-DE" sz="1600" dirty="0">
-                <a:solidFill>
-                  <a:srgbClr val="000000"/>
-                </a:solidFill>
-                <a:latin typeface="Consolas" panose="020B0609020204030204" pitchFamily="49" charset="0"/>
-                <a:cs typeface="Consolas" panose="020B0609020204030204" pitchFamily="49" charset="0"/>
-              </a:rPr>
-              <a:t/>
-            </a:r>
             <a:br>
               <a:rPr lang="de-DE" altLang="de-DE" sz="1600" dirty="0">
                 <a:solidFill>
@@ -11631,16 +11476,6 @@
                 <a:cs typeface="Consolas" panose="020B0609020204030204" pitchFamily="49" charset="0"/>
               </a:rPr>
             </a:br>
-            <a:r>
-              <a:rPr lang="de-DE" altLang="de-DE" sz="1600" dirty="0">
-                <a:solidFill>
-                  <a:srgbClr val="000000"/>
-                </a:solidFill>
-                <a:latin typeface="Consolas" panose="020B0609020204030204" pitchFamily="49" charset="0"/>
-                <a:cs typeface="Consolas" panose="020B0609020204030204" pitchFamily="49" charset="0"/>
-              </a:rPr>
-              <a:t/>
-            </a:r>
             <a:br>
               <a:rPr lang="de-DE" altLang="de-DE" sz="1600" dirty="0">
                 <a:solidFill>
@@ -11897,16 +11732,6 @@
                 <a:cs typeface="Consolas" panose="020B0609020204030204" pitchFamily="49" charset="0"/>
               </a:rPr>
             </a:br>
-            <a:r>
-              <a:rPr lang="de-DE" altLang="de-DE" sz="1600" dirty="0">
-                <a:solidFill>
-                  <a:srgbClr val="000000"/>
-                </a:solidFill>
-                <a:latin typeface="Consolas" panose="020B0609020204030204" pitchFamily="49" charset="0"/>
-                <a:cs typeface="Consolas" panose="020B0609020204030204" pitchFamily="49" charset="0"/>
-              </a:rPr>
-              <a:t/>
-            </a:r>
             <a:br>
               <a:rPr lang="de-DE" altLang="de-DE" sz="1600" dirty="0">
                 <a:solidFill>
@@ -12054,16 +11879,6 @@
                 <a:cs typeface="Consolas" panose="020B0609020204030204" pitchFamily="49" charset="0"/>
               </a:rPr>
             </a:br>
-            <a:r>
-              <a:rPr lang="de-DE" altLang="de-DE" sz="1600" dirty="0">
-                <a:solidFill>
-                  <a:srgbClr val="000000"/>
-                </a:solidFill>
-                <a:latin typeface="Consolas" panose="020B0609020204030204" pitchFamily="49" charset="0"/>
-                <a:cs typeface="Consolas" panose="020B0609020204030204" pitchFamily="49" charset="0"/>
-              </a:rPr>
-              <a:t/>
-            </a:r>
             <a:br>
               <a:rPr lang="de-DE" altLang="de-DE" sz="1600" dirty="0">
                 <a:solidFill>
@@ -12677,16 +12492,6 @@
                 <a:cs typeface="Consolas" panose="020B0609020204030204" pitchFamily="49" charset="0"/>
               </a:rPr>
             </a:br>
-            <a:r>
-              <a:rPr lang="de-DE" altLang="de-DE" sz="1600" dirty="0">
-                <a:solidFill>
-                  <a:srgbClr val="000000"/>
-                </a:solidFill>
-                <a:latin typeface="Consolas" panose="020B0609020204030204" pitchFamily="49" charset="0"/>
-                <a:cs typeface="Consolas" panose="020B0609020204030204" pitchFamily="49" charset="0"/>
-              </a:rPr>
-              <a:t/>
-            </a:r>
             <a:br>
               <a:rPr lang="de-DE" altLang="de-DE" sz="1600" dirty="0">
                 <a:solidFill>
@@ -13210,7 +13015,7 @@
                 <a:cs typeface="Consolas" panose="020B0609020204030204" pitchFamily="49" charset="0"/>
               </a:rPr>
             </a:br>
-            <a:endParaRPr lang="de-DE" altLang="de-DE" sz="1600" dirty="0" smtClean="0">
+            <a:endParaRPr lang="de-DE" altLang="de-DE" sz="1600" dirty="0">
               <a:solidFill>
                 <a:srgbClr val="000000"/>
               </a:solidFill>
@@ -13227,24 +13032,14 @@
               <a:buNone/>
             </a:pPr>
             <a:r>
-              <a:rPr lang="de-DE" altLang="de-DE" sz="1600" dirty="0" smtClean="0">
+              <a:rPr lang="de-DE" altLang="de-DE" sz="1600" dirty="0">
                 <a:solidFill>
                   <a:srgbClr val="FFC000"/>
                 </a:solidFill>
                 <a:latin typeface="Consolas" panose="020B0609020204030204" pitchFamily="49" charset="0"/>
                 <a:cs typeface="Consolas" panose="020B0609020204030204" pitchFamily="49" charset="0"/>
               </a:rPr>
-              <a:t>    </a:t>
-            </a:r>
-            <a:r>
-              <a:rPr lang="de-DE" altLang="de-DE" sz="1600" dirty="0">
-                <a:solidFill>
-                  <a:srgbClr val="FFC000"/>
-                </a:solidFill>
-                <a:latin typeface="Consolas" panose="020B0609020204030204" pitchFamily="49" charset="0"/>
-                <a:cs typeface="Consolas" panose="020B0609020204030204" pitchFamily="49" charset="0"/>
-              </a:rPr>
-              <a:t>@</a:t>
+              <a:t>    @</a:t>
             </a:r>
             <a:r>
               <a:rPr lang="de-DE" altLang="de-DE" sz="1600" dirty="0" err="1">
@@ -13842,17 +13637,7 @@
                 <a:latin typeface="Consolas" panose="020B0609020204030204" pitchFamily="49" charset="0"/>
                 <a:cs typeface="Consolas" panose="020B0609020204030204" pitchFamily="49" charset="0"/>
               </a:rPr>
-              <a:t>    </a:t>
-            </a:r>
-            <a:r>
-              <a:rPr lang="de-DE" altLang="de-DE" sz="1600" dirty="0" smtClean="0">
-                <a:solidFill>
-                  <a:srgbClr val="000000"/>
-                </a:solidFill>
-                <a:latin typeface="Consolas" panose="020B0609020204030204" pitchFamily="49" charset="0"/>
-                <a:cs typeface="Consolas" panose="020B0609020204030204" pitchFamily="49" charset="0"/>
-              </a:rPr>
-              <a:t>    }</a:t>
+              <a:t>        }</a:t>
             </a:r>
           </a:p>
           <a:p>
@@ -13871,17 +13656,7 @@
                 <a:latin typeface="Consolas" panose="020B0609020204030204" pitchFamily="49" charset="0"/>
                 <a:cs typeface="Consolas" panose="020B0609020204030204" pitchFamily="49" charset="0"/>
               </a:rPr>
-              <a:t> </a:t>
-            </a:r>
-            <a:r>
-              <a:rPr lang="de-DE" sz="1600" dirty="0" smtClean="0">
-                <a:solidFill>
-                  <a:srgbClr val="000000"/>
-                </a:solidFill>
-                <a:latin typeface="Consolas" panose="020B0609020204030204" pitchFamily="49" charset="0"/>
-                <a:cs typeface="Consolas" panose="020B0609020204030204" pitchFamily="49" charset="0"/>
-              </a:rPr>
-              <a:t>   }</a:t>
+              <a:t>    }</a:t>
             </a:r>
             <a:endParaRPr lang="de-DE" sz="2000" dirty="0"/>
           </a:p>
@@ -14175,16 +13950,6 @@
               </a:rPr>
               <a:t>Override</a:t>
             </a:r>
-            <a:r>
-              <a:rPr lang="de-DE" altLang="de-DE" sz="1600" dirty="0">
-                <a:solidFill>
-                  <a:srgbClr val="000000"/>
-                </a:solidFill>
-                <a:latin typeface="Consolas" panose="020B0609020204030204" pitchFamily="49" charset="0"/>
-                <a:cs typeface="Consolas" panose="020B0609020204030204" pitchFamily="49" charset="0"/>
-              </a:rPr>
-              <a:t/>
-            </a:r>
             <a:br>
               <a:rPr lang="de-DE" altLang="de-DE" sz="1600" dirty="0">
                 <a:solidFill>
@@ -14312,16 +14077,6 @@
                 <a:cs typeface="Consolas" panose="020B0609020204030204" pitchFamily="49" charset="0"/>
               </a:rPr>
             </a:br>
-            <a:r>
-              <a:rPr lang="de-DE" altLang="de-DE" sz="1600" dirty="0">
-                <a:solidFill>
-                  <a:srgbClr val="000000"/>
-                </a:solidFill>
-                <a:latin typeface="Consolas" panose="020B0609020204030204" pitchFamily="49" charset="0"/>
-                <a:cs typeface="Consolas" panose="020B0609020204030204" pitchFamily="49" charset="0"/>
-              </a:rPr>
-              <a:t/>
-            </a:r>
             <a:br>
               <a:rPr lang="de-DE" altLang="de-DE" sz="1600" dirty="0">
                 <a:solidFill>
@@ -14557,16 +14312,6 @@
                 <a:cs typeface="Consolas" panose="020B0609020204030204" pitchFamily="49" charset="0"/>
               </a:rPr>
             </a:br>
-            <a:r>
-              <a:rPr lang="de-DE" altLang="de-DE" sz="1600" dirty="0">
-                <a:solidFill>
-                  <a:srgbClr val="000000"/>
-                </a:solidFill>
-                <a:latin typeface="Consolas" panose="020B0609020204030204" pitchFamily="49" charset="0"/>
-                <a:cs typeface="Consolas" panose="020B0609020204030204" pitchFamily="49" charset="0"/>
-              </a:rPr>
-              <a:t/>
-            </a:r>
             <a:br>
               <a:rPr lang="de-DE" altLang="de-DE" sz="1600" dirty="0">
                 <a:solidFill>
@@ -14802,16 +14547,6 @@
                 <a:cs typeface="Consolas" panose="020B0609020204030204" pitchFamily="49" charset="0"/>
               </a:rPr>
             </a:br>
-            <a:r>
-              <a:rPr lang="de-DE" altLang="de-DE" sz="1600" dirty="0">
-                <a:solidFill>
-                  <a:srgbClr val="000000"/>
-                </a:solidFill>
-                <a:latin typeface="Consolas" panose="020B0609020204030204" pitchFamily="49" charset="0"/>
-                <a:cs typeface="Consolas" panose="020B0609020204030204" pitchFamily="49" charset="0"/>
-              </a:rPr>
-              <a:t/>
-            </a:r>
             <a:br>
               <a:rPr lang="de-DE" altLang="de-DE" sz="1600" dirty="0">
                 <a:solidFill>

--- a/slides/Tag-2_5-Bestandteile_Resources.pptx
+++ b/slides/Tag-2_5-Bestandteile_Resources.pptx
@@ -4934,7 +4934,7 @@
               <a:pPr algn="ctr">
                 <a:defRPr/>
               </a:pPr>
-              <a:t>08.02.2023</a:t>
+              <a:t>10.02.2023</a:t>
             </a:fld>
             <a:endParaRPr lang="de-DE" sz="1000" dirty="0">
               <a:solidFill>
